--- a/sig3/slides/SIG react 3.pptx
+++ b/sig3/slides/SIG react 3.pptx
@@ -15,6 +15,8 @@
     <p:sldId id="261" r:id="rId10"/>
     <p:sldId id="262" r:id="rId11"/>
     <p:sldId id="263" r:id="rId12"/>
+    <p:sldId id="264" r:id="rId13"/>
+    <p:sldId id="265" r:id="rId14"/>
   </p:sldIdLst>
   <p:sldSz cx="9144000" cy="5143500"/>
   <p:notesSz cx="7559675" cy="10691812"/>
@@ -4054,7 +4056,7 @@
         <p:spPr>
           <a:xfrm>
             <a:off x="7200000" y="360000"/>
-            <a:ext cx="1254600" cy="282240"/>
+            <a:ext cx="1254240" cy="281880"/>
           </a:xfrm>
           <a:prstGeom prst="rect">
             <a:avLst/>
@@ -4077,7 +4079,7 @@
         <p:spPr>
           <a:xfrm>
             <a:off x="0" y="4966560"/>
-            <a:ext cx="9139680" cy="172440"/>
+            <a:ext cx="9139320" cy="172080"/>
           </a:xfrm>
           <a:prstGeom prst="rect">
             <a:avLst/>
@@ -4134,7 +4136,7 @@
         <p:spPr>
           <a:xfrm>
             <a:off x="0" y="4966560"/>
-            <a:ext cx="9139680" cy="172440"/>
+            <a:ext cx="9139320" cy="172080"/>
           </a:xfrm>
           <a:prstGeom prst="rect">
             <a:avLst/>
@@ -4157,7 +4159,7 @@
         <p:spPr>
           <a:xfrm>
             <a:off x="648000" y="108000"/>
-            <a:ext cx="2876040" cy="644760"/>
+            <a:ext cx="2875680" cy="644400"/>
           </a:xfrm>
           <a:prstGeom prst="rect">
             <a:avLst/>
@@ -4438,7 +4440,7 @@
         <p:spPr>
           <a:xfrm>
             <a:off x="7200000" y="360000"/>
-            <a:ext cx="1254600" cy="282240"/>
+            <a:ext cx="1254240" cy="281880"/>
           </a:xfrm>
           <a:prstGeom prst="rect">
             <a:avLst/>
@@ -4461,7 +4463,7 @@
         <p:spPr>
           <a:xfrm>
             <a:off x="0" y="4966560"/>
-            <a:ext cx="9139680" cy="172440"/>
+            <a:ext cx="9139320" cy="172080"/>
           </a:xfrm>
           <a:prstGeom prst="rect">
             <a:avLst/>
@@ -4776,7 +4778,7 @@
         <p:spPr>
           <a:xfrm>
             <a:off x="7200000" y="360000"/>
-            <a:ext cx="1254600" cy="282240"/>
+            <a:ext cx="1254240" cy="281880"/>
           </a:xfrm>
           <a:prstGeom prst="rect">
             <a:avLst/>
@@ -4799,7 +4801,7 @@
         <p:spPr>
           <a:xfrm>
             <a:off x="0" y="4966560"/>
-            <a:ext cx="9139680" cy="172440"/>
+            <a:ext cx="9139320" cy="172080"/>
           </a:xfrm>
           <a:prstGeom prst="rect">
             <a:avLst/>
@@ -4852,7 +4854,7 @@
         <p:spPr>
           <a:xfrm>
             <a:off x="0" y="812880"/>
-            <a:ext cx="9139680" cy="3505680"/>
+            <a:ext cx="9139320" cy="3505320"/>
           </a:xfrm>
           <a:prstGeom prst="rect">
             <a:avLst/>
@@ -5144,7 +5146,7 @@
         <p:spPr>
           <a:xfrm>
             <a:off x="0" y="810000"/>
-            <a:ext cx="9139680" cy="3343680"/>
+            <a:ext cx="9139320" cy="3343320"/>
           </a:xfrm>
           <a:prstGeom prst="rect">
             <a:avLst/>
@@ -5166,7 +5168,7 @@
         <p:spPr>
           <a:xfrm>
             <a:off x="5400000" y="1548000"/>
-            <a:ext cx="3019680" cy="3019680"/>
+            <a:ext cx="3019320" cy="3019320"/>
           </a:xfrm>
           <a:prstGeom prst="rect">
             <a:avLst/>
@@ -5228,6 +5230,506 @@
           <p:childTnLst>
             <p:seq>
               <p:cTn id="2" dur="indefinite" nodeType="mainSeq"/>
+              <p:prevCondLst>
+                <p:cond delay="0" evt="onPrev">
+                  <p:tgtEl>
+                    <p:sldTgt/>
+                  </p:tgtEl>
+                </p:cond>
+              </p:prevCondLst>
+              <p:nextCondLst>
+                <p:cond delay="0" evt="onNext">
+                  <p:tgtEl>
+                    <p:sldTgt/>
+                  </p:tgtEl>
+                </p:cond>
+              </p:nextCondLst>
+            </p:seq>
+          </p:childTnLst>
+        </p:cTn>
+      </p:par>
+    </p:tnLst>
+  </p:timing>
+</p:sld>
+</file>
+
+<file path=ppt/slides/slide10.xml><?xml version="1.0" encoding="utf-8"?>
+<p:sld xmlns:a="http://schemas.openxmlformats.org/drawingml/2006/main" xmlns:p="http://schemas.openxmlformats.org/presentationml/2006/main" xmlns:r="http://schemas.openxmlformats.org/officeDocument/2006/relationships" xmlns:p14="http://schemas.microsoft.com/office/powerpoint/2010/main" xmlns:p15="http://schemas.microsoft.com/office/powerpoint/2012/main" xmlns:mc="http://schemas.openxmlformats.org/markup-compatibility/2006">
+  <p:cSld>
+    <p:spTree>
+      <p:nvGrpSpPr>
+        <p:cNvPr id="1" name=""/>
+        <p:cNvGrpSpPr/>
+        <p:nvPr/>
+      </p:nvGrpSpPr>
+      <p:grpSpPr>
+        <a:xfrm>
+          <a:off x="0" y="0"/>
+          <a:ext cx="0" cy="0"/>
+          <a:chOff x="0" y="0"/>
+          <a:chExt cx="0" cy="0"/>
+        </a:xfrm>
+      </p:grpSpPr>
+      <p:sp>
+        <p:nvSpPr>
+          <p:cNvPr id="164" name="CustomShape 1"/>
+          <p:cNvSpPr/>
+          <p:nvPr/>
+        </p:nvSpPr>
+        <p:spPr>
+          <a:xfrm>
+            <a:off x="720000" y="288000"/>
+            <a:ext cx="6619320" cy="499320"/>
+          </a:xfrm>
+          <a:prstGeom prst="rect">
+            <a:avLst/>
+          </a:prstGeom>
+          <a:noFill/>
+          <a:ln>
+            <a:noFill/>
+          </a:ln>
+        </p:spPr>
+        <p:style>
+          <a:lnRef idx="0"/>
+          <a:fillRef idx="0"/>
+          <a:effectRef idx="0"/>
+          <a:fontRef idx="minor"/>
+        </p:style>
+        <p:txBody>
+          <a:bodyPr lIns="0" rIns="0" tIns="0" bIns="0" anchor="ctr"/>
+          <a:p>
+            <a:pPr>
+              <a:lnSpc>
+                <a:spcPct val="85000"/>
+              </a:lnSpc>
+            </a:pPr>
+            <a:r>
+              <a:rPr b="1" lang="en-US" sz="1800" spc="-1" strike="noStrike">
+                <a:solidFill>
+                  <a:srgbClr val="e63232"/>
+                </a:solidFill>
+                <a:latin typeface="Arial"/>
+                <a:ea typeface="DejaVu Sans"/>
+              </a:rPr>
+              <a:t>Hands-on: Redux</a:t>
+            </a:r>
+            <a:endParaRPr b="0" lang="en-US" sz="1800" spc="-1" strike="noStrike">
+              <a:latin typeface="Arial"/>
+            </a:endParaRPr>
+          </a:p>
+        </p:txBody>
+      </p:sp>
+      <p:sp>
+        <p:nvSpPr>
+          <p:cNvPr id="165" name="CustomShape 2"/>
+          <p:cNvSpPr/>
+          <p:nvPr/>
+        </p:nvSpPr>
+        <p:spPr>
+          <a:xfrm>
+            <a:off x="4968000" y="5004000"/>
+            <a:ext cx="3235320" cy="103320"/>
+          </a:xfrm>
+          <a:prstGeom prst="rect">
+            <a:avLst/>
+          </a:prstGeom>
+          <a:noFill/>
+          <a:ln>
+            <a:noFill/>
+          </a:ln>
+        </p:spPr>
+        <p:style>
+          <a:lnRef idx="0"/>
+          <a:fillRef idx="0"/>
+          <a:effectRef idx="0"/>
+          <a:fontRef idx="minor"/>
+        </p:style>
+        <p:txBody>
+          <a:bodyPr lIns="0" rIns="0" tIns="0" bIns="0"/>
+          <a:p>
+            <a:pPr algn="r">
+              <a:lnSpc>
+                <a:spcPct val="100000"/>
+              </a:lnSpc>
+            </a:pPr>
+            <a:r>
+              <a:rPr b="0" lang="en-US" sz="600" spc="-1" strike="noStrike">
+                <a:solidFill>
+                  <a:srgbClr val="ffffff"/>
+                </a:solidFill>
+                <a:latin typeface="Arial"/>
+                <a:ea typeface="DejaVu Sans"/>
+              </a:rPr>
+              <a:t>React</a:t>
+            </a:r>
+            <a:endParaRPr b="0" lang="en-US" sz="600" spc="-1" strike="noStrike">
+              <a:latin typeface="Arial"/>
+            </a:endParaRPr>
+          </a:p>
+        </p:txBody>
+      </p:sp>
+      <p:sp>
+        <p:nvSpPr>
+          <p:cNvPr id="166" name="CustomShape 3"/>
+          <p:cNvSpPr/>
+          <p:nvPr/>
+        </p:nvSpPr>
+        <p:spPr>
+          <a:xfrm>
+            <a:off x="8280000" y="5004000"/>
+            <a:ext cx="139320" cy="103320"/>
+          </a:xfrm>
+          <a:prstGeom prst="rect">
+            <a:avLst/>
+          </a:prstGeom>
+          <a:noFill/>
+          <a:ln>
+            <a:noFill/>
+          </a:ln>
+        </p:spPr>
+        <p:style>
+          <a:lnRef idx="0"/>
+          <a:fillRef idx="0"/>
+          <a:effectRef idx="0"/>
+          <a:fontRef idx="minor"/>
+        </p:style>
+        <p:txBody>
+          <a:bodyPr lIns="0" rIns="0" tIns="0" bIns="0"/>
+          <a:p>
+            <a:pPr algn="r">
+              <a:lnSpc>
+                <a:spcPct val="100000"/>
+              </a:lnSpc>
+            </a:pPr>
+            <a:fld id="{1C5A149E-8F07-4E21-BEC2-69912AABE207}" type="slidenum">
+              <a:rPr b="0" lang="en-US" sz="600" spc="-1" strike="noStrike">
+                <a:solidFill>
+                  <a:srgbClr val="ffffff"/>
+                </a:solidFill>
+                <a:latin typeface="Arial"/>
+                <a:ea typeface="DejaVu Sans"/>
+              </a:rPr>
+              <a:t>&lt;number&gt;</a:t>
+            </a:fld>
+            <a:endParaRPr b="0" lang="en-US" sz="600" spc="-1" strike="noStrike">
+              <a:latin typeface="Arial"/>
+            </a:endParaRPr>
+          </a:p>
+        </p:txBody>
+      </p:sp>
+      <p:sp>
+        <p:nvSpPr>
+          <p:cNvPr id="167" name="CustomShape 4"/>
+          <p:cNvSpPr/>
+          <p:nvPr/>
+        </p:nvSpPr>
+        <p:spPr>
+          <a:xfrm>
+            <a:off x="640080" y="780840"/>
+            <a:ext cx="6619320" cy="3882600"/>
+          </a:xfrm>
+          <a:prstGeom prst="rect">
+            <a:avLst/>
+          </a:prstGeom>
+          <a:noFill/>
+          <a:ln>
+            <a:noFill/>
+          </a:ln>
+        </p:spPr>
+        <p:style>
+          <a:lnRef idx="0"/>
+          <a:fillRef idx="0"/>
+          <a:effectRef idx="0"/>
+          <a:fontRef idx="minor"/>
+        </p:style>
+        <p:txBody>
+          <a:bodyPr lIns="0" rIns="0" tIns="0" bIns="0"/>
+          <a:p>
+            <a:pPr>
+              <a:lnSpc>
+                <a:spcPct val="120000"/>
+              </a:lnSpc>
+            </a:pPr>
+            <a:endParaRPr b="0" lang="en-US" sz="1800" spc="-1" strike="noStrike">
+              <a:latin typeface="Arial"/>
+            </a:endParaRPr>
+          </a:p>
+          <a:p>
+            <a:pPr marL="285840" indent="-281160">
+              <a:lnSpc>
+                <a:spcPct val="120000"/>
+              </a:lnSpc>
+              <a:buClr>
+                <a:srgbClr val="000000"/>
+              </a:buClr>
+              <a:buFont typeface="Arial"/>
+              <a:buChar char="•"/>
+            </a:pPr>
+            <a:r>
+              <a:rPr b="0" lang="en-US" sz="1500" spc="-1" strike="noStrike">
+                <a:solidFill>
+                  <a:srgbClr val="000000"/>
+                </a:solidFill>
+                <a:latin typeface="Arial"/>
+                <a:ea typeface="DejaVu Sans"/>
+              </a:rPr>
+              <a:t>Create a file: src/store/accommodations/reducer.js</a:t>
+            </a:r>
+            <a:endParaRPr b="0" lang="en-US" sz="1500" spc="-1" strike="noStrike">
+              <a:latin typeface="Arial"/>
+            </a:endParaRPr>
+          </a:p>
+          <a:p>
+            <a:pPr marL="285840" indent="-281160">
+              <a:lnSpc>
+                <a:spcPct val="120000"/>
+              </a:lnSpc>
+              <a:buClr>
+                <a:srgbClr val="000000"/>
+              </a:buClr>
+              <a:buFont typeface="Arial"/>
+              <a:buChar char="•"/>
+            </a:pPr>
+            <a:r>
+              <a:rPr b="0" lang="en-US" sz="1500" spc="-1" strike="noStrike">
+                <a:solidFill>
+                  <a:srgbClr val="000000"/>
+                </a:solidFill>
+                <a:latin typeface="Arial"/>
+                <a:ea typeface="DejaVu Sans"/>
+              </a:rPr>
+              <a:t>Add the reducer function</a:t>
+            </a:r>
+            <a:endParaRPr b="0" lang="en-US" sz="1500" spc="-1" strike="noStrike">
+              <a:latin typeface="Arial"/>
+            </a:endParaRPr>
+          </a:p>
+          <a:p>
+            <a:pPr marL="285840" indent="-281160">
+              <a:lnSpc>
+                <a:spcPct val="120000"/>
+              </a:lnSpc>
+              <a:buClr>
+                <a:srgbClr val="000000"/>
+              </a:buClr>
+              <a:buFont typeface="Arial"/>
+              <a:buChar char="•"/>
+            </a:pPr>
+            <a:r>
+              <a:rPr b="0" lang="en-US" sz="1500" spc="-1" strike="noStrike">
+                <a:solidFill>
+                  <a:srgbClr val="000000"/>
+                </a:solidFill>
+                <a:latin typeface="Arial"/>
+                <a:ea typeface="DejaVu Sans"/>
+              </a:rPr>
+              <a:t>It takes a state (default empty array) and an action (default empty object)</a:t>
+            </a:r>
+            <a:endParaRPr b="0" lang="en-US" sz="1500" spc="-1" strike="noStrike">
+              <a:latin typeface="Arial"/>
+            </a:endParaRPr>
+          </a:p>
+          <a:p>
+            <a:pPr marL="285840" indent="-281160">
+              <a:lnSpc>
+                <a:spcPct val="120000"/>
+              </a:lnSpc>
+              <a:buClr>
+                <a:srgbClr val="000000"/>
+              </a:buClr>
+              <a:buFont typeface="Arial"/>
+              <a:buChar char="•"/>
+            </a:pPr>
+            <a:r>
+              <a:rPr b="0" lang="en-US" sz="1500" spc="-1" strike="noStrike">
+                <a:solidFill>
+                  <a:srgbClr val="000000"/>
+                </a:solidFill>
+                <a:latin typeface="Arial"/>
+                <a:ea typeface="DejaVu Sans"/>
+              </a:rPr>
+              <a:t>It contains a switch for the action.type</a:t>
+            </a:r>
+            <a:endParaRPr b="0" lang="en-US" sz="1500" spc="-1" strike="noStrike">
+              <a:latin typeface="Arial"/>
+            </a:endParaRPr>
+          </a:p>
+          <a:p>
+            <a:pPr marL="285840" indent="-281160">
+              <a:lnSpc>
+                <a:spcPct val="120000"/>
+              </a:lnSpc>
+              <a:buClr>
+                <a:srgbClr val="000000"/>
+              </a:buClr>
+              <a:buFont typeface="Arial"/>
+              <a:buChar char="•"/>
+            </a:pPr>
+            <a:r>
+              <a:rPr b="0" lang="en-US" sz="1500" spc="-1" strike="noStrike">
+                <a:solidFill>
+                  <a:srgbClr val="000000"/>
+                </a:solidFill>
+                <a:latin typeface="Arial"/>
+                <a:ea typeface="DejaVu Sans"/>
+              </a:rPr>
+              <a:t>By default it returns the state</a:t>
+            </a:r>
+            <a:endParaRPr b="0" lang="en-US" sz="1500" spc="-1" strike="noStrike">
+              <a:latin typeface="Arial"/>
+            </a:endParaRPr>
+          </a:p>
+          <a:p>
+            <a:pPr marL="285840" indent="-281160">
+              <a:lnSpc>
+                <a:spcPct val="120000"/>
+              </a:lnSpc>
+              <a:buClr>
+                <a:srgbClr val="000000"/>
+              </a:buClr>
+              <a:buFont typeface="Arial"/>
+              <a:buChar char="•"/>
+            </a:pPr>
+            <a:endParaRPr b="0" lang="en-US" sz="1500" spc="-1" strike="noStrike">
+              <a:latin typeface="Arial"/>
+            </a:endParaRPr>
+          </a:p>
+          <a:p>
+            <a:pPr marL="285840" indent="-281160">
+              <a:lnSpc>
+                <a:spcPct val="120000"/>
+              </a:lnSpc>
+              <a:buClr>
+                <a:srgbClr val="000000"/>
+              </a:buClr>
+              <a:buFont typeface="Arial"/>
+              <a:buChar char="•"/>
+            </a:pPr>
+            <a:r>
+              <a:rPr b="0" lang="en-US" sz="1500" spc="-1" strike="noStrike">
+                <a:solidFill>
+                  <a:srgbClr val="000000"/>
+                </a:solidFill>
+                <a:latin typeface="Arial"/>
+                <a:ea typeface="DejaVu Sans"/>
+              </a:rPr>
+              <a:t>Create a file: src/store/accommodations/actions.js</a:t>
+            </a:r>
+            <a:endParaRPr b="0" lang="en-US" sz="1500" spc="-1" strike="noStrike">
+              <a:latin typeface="Arial"/>
+            </a:endParaRPr>
+          </a:p>
+          <a:p>
+            <a:pPr marL="285840" indent="-281160">
+              <a:lnSpc>
+                <a:spcPct val="120000"/>
+              </a:lnSpc>
+              <a:buClr>
+                <a:srgbClr val="000000"/>
+              </a:buClr>
+              <a:buFont typeface="Arial"/>
+              <a:buChar char="•"/>
+            </a:pPr>
+            <a:r>
+              <a:rPr b="0" lang="en-US" sz="1500" spc="-1" strike="noStrike">
+                <a:solidFill>
+                  <a:srgbClr val="000000"/>
+                </a:solidFill>
+                <a:latin typeface="Arial"/>
+                <a:ea typeface="DejaVu Sans"/>
+              </a:rPr>
+              <a:t>Export an async getAllAccommodations action which takes a parameter called dispatch</a:t>
+            </a:r>
+            <a:endParaRPr b="0" lang="en-US" sz="1500" spc="-1" strike="noStrike">
+              <a:latin typeface="Arial"/>
+            </a:endParaRPr>
+          </a:p>
+          <a:p>
+            <a:pPr marL="285840" indent="-281160">
+              <a:lnSpc>
+                <a:spcPct val="120000"/>
+              </a:lnSpc>
+              <a:buClr>
+                <a:srgbClr val="000000"/>
+              </a:buClr>
+              <a:buFont typeface="Arial"/>
+              <a:buChar char="•"/>
+            </a:pPr>
+            <a:r>
+              <a:rPr b="0" lang="en-US" sz="1500" spc="-1" strike="noStrike">
+                <a:solidFill>
+                  <a:srgbClr val="000000"/>
+                </a:solidFill>
+                <a:latin typeface="Arial"/>
+                <a:ea typeface="DejaVu Sans"/>
+              </a:rPr>
+              <a:t>In the function, dispatch an objec with the type “REQUEST_ACCOMMODATIONS”</a:t>
+            </a:r>
+            <a:endParaRPr b="0" lang="en-US" sz="1500" spc="-1" strike="noStrike">
+              <a:latin typeface="Arial"/>
+            </a:endParaRPr>
+          </a:p>
+          <a:p>
+            <a:pPr marL="285840" indent="-281160">
+              <a:lnSpc>
+                <a:spcPct val="120000"/>
+              </a:lnSpc>
+              <a:buClr>
+                <a:srgbClr val="000000"/>
+              </a:buClr>
+              <a:buFont typeface="Arial"/>
+              <a:buChar char="•"/>
+            </a:pPr>
+            <a:r>
+              <a:rPr b="0" lang="en-US" sz="1500" spc="-1" strike="noStrike">
+                <a:solidFill>
+                  <a:srgbClr val="000000"/>
+                </a:solidFill>
+                <a:latin typeface="Arial"/>
+                <a:ea typeface="DejaVu Sans"/>
+              </a:rPr>
+              <a:t>Perform the fetch and put the result as a payload in a dispatch with type RECIEVE_ACCOMMODATIONS</a:t>
+            </a:r>
+            <a:endParaRPr b="0" lang="en-US" sz="1500" spc="-1" strike="noStrike">
+              <a:latin typeface="Arial"/>
+            </a:endParaRPr>
+          </a:p>
+          <a:p>
+            <a:pPr marL="285840" indent="-281160">
+              <a:lnSpc>
+                <a:spcPct val="120000"/>
+              </a:lnSpc>
+              <a:buClr>
+                <a:srgbClr val="000000"/>
+              </a:buClr>
+              <a:buFont typeface="Arial"/>
+              <a:buChar char="•"/>
+            </a:pPr>
+            <a:endParaRPr b="0" lang="en-US" sz="1500" spc="-1" strike="noStrike">
+              <a:latin typeface="Arial"/>
+            </a:endParaRPr>
+          </a:p>
+          <a:p>
+            <a:pPr>
+              <a:lnSpc>
+                <a:spcPct val="120000"/>
+              </a:lnSpc>
+            </a:pPr>
+            <a:endParaRPr b="0" lang="en-US" sz="1500" spc="-1" strike="noStrike">
+              <a:latin typeface="Arial"/>
+            </a:endParaRPr>
+          </a:p>
+        </p:txBody>
+      </p:sp>
+    </p:spTree>
+  </p:cSld>
+  <p:timing>
+    <p:tnLst>
+      <p:par>
+        <p:cTn id="19" dur="indefinite" restart="never" nodeType="tmRoot">
+          <p:childTnLst>
+            <p:seq>
+              <p:cTn id="20" dur="indefinite" nodeType="mainSeq"/>
               <p:prevCondLst>
                 <p:cond delay="0" evt="onPrev">
                   <p:tgtEl>
@@ -5277,7 +5779,7 @@
         <p:spPr>
           <a:xfrm>
             <a:off x="720000" y="288000"/>
-            <a:ext cx="6619680" cy="499680"/>
+            <a:ext cx="6619320" cy="499320"/>
           </a:xfrm>
           <a:prstGeom prst="rect">
             <a:avLst/>
@@ -5326,7 +5828,7 @@
         <p:spPr>
           <a:xfrm>
             <a:off x="4968000" y="5004000"/>
-            <a:ext cx="3235680" cy="103680"/>
+            <a:ext cx="3235320" cy="103320"/>
           </a:xfrm>
           <a:prstGeom prst="rect">
             <a:avLst/>
@@ -5375,7 +5877,7 @@
         <p:spPr>
           <a:xfrm>
             <a:off x="8280000" y="5004000"/>
-            <a:ext cx="139680" cy="103680"/>
+            <a:ext cx="139320" cy="103320"/>
           </a:xfrm>
           <a:prstGeom prst="rect">
             <a:avLst/>
@@ -5399,7 +5901,7 @@
                 <a:spcPct val="100000"/>
               </a:lnSpc>
             </a:pPr>
-            <a:fld id="{10E75547-305A-473A-92CD-A06F48683954}" type="slidenum">
+            <a:fld id="{0968302F-674C-41A9-AA39-ACAF66E36D78}" type="slidenum">
               <a:rPr b="0" lang="en-US" sz="600" spc="-1" strike="noStrike">
                 <a:solidFill>
                   <a:srgbClr val="ffffff"/>
@@ -5424,7 +5926,7 @@
         <p:spPr>
           <a:xfrm>
             <a:off x="602640" y="504720"/>
-            <a:ext cx="6619680" cy="3882960"/>
+            <a:ext cx="6619320" cy="3882600"/>
           </a:xfrm>
           <a:prstGeom prst="rect">
             <a:avLst/>
@@ -5453,7 +5955,7 @@
             </a:endParaRPr>
           </a:p>
           <a:p>
-            <a:pPr marL="285840" indent="-281520">
+            <a:pPr marL="285840" indent="-281160">
               <a:lnSpc>
                 <a:spcPct val="120000"/>
               </a:lnSpc>
@@ -5478,7 +5980,7 @@
             </a:endParaRPr>
           </a:p>
           <a:p>
-            <a:pPr marL="285840" indent="-281520">
+            <a:pPr marL="285840" indent="-281160">
               <a:lnSpc>
                 <a:spcPct val="120000"/>
               </a:lnSpc>
@@ -5503,7 +6005,7 @@
             </a:endParaRPr>
           </a:p>
           <a:p>
-            <a:pPr marL="285840" indent="-281520">
+            <a:pPr marL="285840" indent="-281160">
               <a:lnSpc>
                 <a:spcPct val="120000"/>
               </a:lnSpc>
@@ -5597,7 +6099,7 @@
         <p:spPr>
           <a:xfrm>
             <a:off x="720000" y="288000"/>
-            <a:ext cx="6619680" cy="499680"/>
+            <a:ext cx="6619320" cy="499320"/>
           </a:xfrm>
           <a:prstGeom prst="rect">
             <a:avLst/>
@@ -5646,7 +6148,7 @@
         <p:spPr>
           <a:xfrm>
             <a:off x="4968000" y="5004000"/>
-            <a:ext cx="3235680" cy="103680"/>
+            <a:ext cx="3235320" cy="103320"/>
           </a:xfrm>
           <a:prstGeom prst="rect">
             <a:avLst/>
@@ -5695,7 +6197,7 @@
         <p:spPr>
           <a:xfrm>
             <a:off x="8280000" y="5004000"/>
-            <a:ext cx="139680" cy="103680"/>
+            <a:ext cx="139320" cy="103320"/>
           </a:xfrm>
           <a:prstGeom prst="rect">
             <a:avLst/>
@@ -5719,7 +6221,7 @@
                 <a:spcPct val="100000"/>
               </a:lnSpc>
             </a:pPr>
-            <a:fld id="{76552C43-EC40-44B2-8393-D2545EB02FD0}" type="slidenum">
+            <a:fld id="{BAF44A01-4B6E-4F47-BFBE-D06F6F09BC9A}" type="slidenum">
               <a:rPr b="0" lang="en-US" sz="600" spc="-1" strike="noStrike">
                 <a:solidFill>
                   <a:srgbClr val="ffffff"/>
@@ -5744,7 +6246,7 @@
         <p:spPr>
           <a:xfrm>
             <a:off x="602640" y="504720"/>
-            <a:ext cx="6619680" cy="3882960"/>
+            <a:ext cx="6619320" cy="3882600"/>
           </a:xfrm>
           <a:prstGeom prst="rect">
             <a:avLst/>
@@ -5773,7 +6275,7 @@
             </a:endParaRPr>
           </a:p>
           <a:p>
-            <a:pPr marL="285840" indent="-281520">
+            <a:pPr marL="285840" indent="-281160">
               <a:lnSpc>
                 <a:spcPct val="120000"/>
               </a:lnSpc>
@@ -5818,7 +6320,7 @@
             </a:endParaRPr>
           </a:p>
           <a:p>
-            <a:pPr marL="285840" indent="-281520">
+            <a:pPr marL="285840" indent="-281160">
               <a:lnSpc>
                 <a:spcPct val="120000"/>
               </a:lnSpc>
@@ -5883,7 +6385,7 @@
             </a:endParaRPr>
           </a:p>
           <a:p>
-            <a:pPr marL="285840" indent="-281520">
+            <a:pPr marL="285840" indent="-281160">
               <a:lnSpc>
                 <a:spcPct val="120000"/>
               </a:lnSpc>
@@ -5918,7 +6420,7 @@
             </a:endParaRPr>
           </a:p>
           <a:p>
-            <a:pPr marL="285840" indent="-281520">
+            <a:pPr marL="285840" indent="-281160">
               <a:lnSpc>
                 <a:spcPct val="120000"/>
               </a:lnSpc>
@@ -5967,7 +6469,7 @@
         <p:spPr>
           <a:xfrm>
             <a:off x="4210560" y="444240"/>
-            <a:ext cx="3561480" cy="1018440"/>
+            <a:ext cx="3561120" cy="1018080"/>
           </a:xfrm>
           <a:prstGeom prst="rect">
             <a:avLst/>
@@ -5990,7 +6492,7 @@
         <p:spPr>
           <a:xfrm>
             <a:off x="5315400" y="1438560"/>
-            <a:ext cx="3371040" cy="847080"/>
+            <a:ext cx="3370680" cy="846720"/>
           </a:xfrm>
           <a:prstGeom prst="rect">
             <a:avLst/>
@@ -6058,7 +6560,7 @@
         <p:spPr>
           <a:xfrm>
             <a:off x="720000" y="288000"/>
-            <a:ext cx="6619680" cy="499680"/>
+            <a:ext cx="6619320" cy="499320"/>
           </a:xfrm>
           <a:prstGeom prst="rect">
             <a:avLst/>
@@ -6107,7 +6609,7 @@
         <p:spPr>
           <a:xfrm>
             <a:off x="2347200" y="2194560"/>
-            <a:ext cx="2403720" cy="774720"/>
+            <a:ext cx="2403360" cy="774360"/>
           </a:xfrm>
           <a:prstGeom prst="rect">
             <a:avLst/>
@@ -6156,7 +6658,7 @@
         <p:spPr>
           <a:xfrm>
             <a:off x="4968000" y="5004000"/>
-            <a:ext cx="3235680" cy="103680"/>
+            <a:ext cx="3235320" cy="103320"/>
           </a:xfrm>
           <a:prstGeom prst="rect">
             <a:avLst/>
@@ -6205,7 +6707,7 @@
         <p:spPr>
           <a:xfrm>
             <a:off x="8280000" y="5004000"/>
-            <a:ext cx="139680" cy="103680"/>
+            <a:ext cx="139320" cy="103320"/>
           </a:xfrm>
           <a:prstGeom prst="rect">
             <a:avLst/>
@@ -6229,7 +6731,7 @@
                 <a:spcPct val="100000"/>
               </a:lnSpc>
             </a:pPr>
-            <a:fld id="{032FB021-1354-4A6D-B347-6F3231DAAEEA}" type="slidenum">
+            <a:fld id="{B0A78997-B153-4DDD-86E3-1BC590C4DE85}" type="slidenum">
               <a:rPr b="0" lang="en-US" sz="600" spc="-1" strike="noStrike">
                 <a:solidFill>
                   <a:srgbClr val="ffffff"/>
@@ -6258,7 +6760,7 @@
         <p:spPr>
           <a:xfrm>
             <a:off x="6840000" y="810000"/>
-            <a:ext cx="2299680" cy="3505680"/>
+            <a:ext cx="2299320" cy="3505320"/>
           </a:xfrm>
           <a:prstGeom prst="rect">
             <a:avLst/>
@@ -6329,7 +6831,7 @@
         <p:spPr>
           <a:xfrm>
             <a:off x="720000" y="288000"/>
-            <a:ext cx="6619680" cy="499680"/>
+            <a:ext cx="6619320" cy="499320"/>
           </a:xfrm>
           <a:prstGeom prst="rect">
             <a:avLst/>
@@ -6378,7 +6880,7 @@
         <p:spPr>
           <a:xfrm>
             <a:off x="4968000" y="5004000"/>
-            <a:ext cx="3235680" cy="103680"/>
+            <a:ext cx="3235320" cy="103320"/>
           </a:xfrm>
           <a:prstGeom prst="rect">
             <a:avLst/>
@@ -6427,7 +6929,7 @@
         <p:spPr>
           <a:xfrm>
             <a:off x="8280000" y="5004000"/>
-            <a:ext cx="139680" cy="103680"/>
+            <a:ext cx="139320" cy="103320"/>
           </a:xfrm>
           <a:prstGeom prst="rect">
             <a:avLst/>
@@ -6451,7 +6953,7 @@
                 <a:spcPct val="100000"/>
               </a:lnSpc>
             </a:pPr>
-            <a:fld id="{A6C933C6-4BA6-4355-8586-63939A6903AF}" type="slidenum">
+            <a:fld id="{7A2BA1E1-4079-4C94-8B13-F2CC7F1F55CE}" type="slidenum">
               <a:rPr b="0" lang="en-US" sz="600" spc="-1" strike="noStrike">
                 <a:solidFill>
                   <a:srgbClr val="ffffff"/>
@@ -6476,7 +6978,7 @@
         <p:spPr>
           <a:xfrm>
             <a:off x="876240" y="548640"/>
-            <a:ext cx="6619680" cy="3882960"/>
+            <a:ext cx="6619320" cy="3882600"/>
           </a:xfrm>
           <a:prstGeom prst="rect">
             <a:avLst/>
@@ -6505,7 +7007,7 @@
             </a:endParaRPr>
           </a:p>
           <a:p>
-            <a:pPr marL="285840" indent="-281520">
+            <a:pPr marL="285840" indent="-281160">
               <a:lnSpc>
                 <a:spcPct val="120000"/>
               </a:lnSpc>
@@ -6552,7 +7054,7 @@
             </a:endParaRPr>
           </a:p>
           <a:p>
-            <a:pPr marL="285840" indent="-281520">
+            <a:pPr marL="285840" indent="-281160">
               <a:lnSpc>
                 <a:spcPct val="120000"/>
               </a:lnSpc>
@@ -6577,7 +7079,7 @@
             </a:endParaRPr>
           </a:p>
           <a:p>
-            <a:pPr lvl="1" marL="432000" indent="-214560">
+            <a:pPr lvl="1" marL="432000" indent="-214200">
               <a:lnSpc>
                 <a:spcPct val="120000"/>
               </a:lnSpc>
@@ -6603,7 +7105,7 @@
             </a:endParaRPr>
           </a:p>
           <a:p>
-            <a:pPr lvl="1" marL="432000" indent="-214560">
+            <a:pPr lvl="1" marL="432000" indent="-214200">
               <a:lnSpc>
                 <a:spcPct val="120000"/>
               </a:lnSpc>
@@ -6629,7 +7131,7 @@
             </a:endParaRPr>
           </a:p>
           <a:p>
-            <a:pPr lvl="1" marL="432000" indent="-214560">
+            <a:pPr lvl="1" marL="432000" indent="-214200">
               <a:lnSpc>
                 <a:spcPct val="120000"/>
               </a:lnSpc>
@@ -6655,7 +7157,7 @@
             </a:endParaRPr>
           </a:p>
           <a:p>
-            <a:pPr lvl="1" marL="432000" indent="-214560">
+            <a:pPr lvl="1" marL="432000" indent="-214200">
               <a:lnSpc>
                 <a:spcPct val="120000"/>
               </a:lnSpc>
@@ -6681,7 +7183,7 @@
             </a:endParaRPr>
           </a:p>
           <a:p>
-            <a:pPr marL="285840" indent="-281520">
+            <a:pPr marL="285840" indent="-281160">
               <a:lnSpc>
                 <a:spcPct val="120000"/>
               </a:lnSpc>
@@ -6716,7 +7218,7 @@
             </a:endParaRPr>
           </a:p>
           <a:p>
-            <a:pPr marL="285840" indent="-281520">
+            <a:pPr marL="285840" indent="-281160">
               <a:lnSpc>
                 <a:spcPct val="120000"/>
               </a:lnSpc>
@@ -6741,7 +7243,7 @@
             </a:endParaRPr>
           </a:p>
           <a:p>
-            <a:pPr marL="285840" indent="-281520">
+            <a:pPr marL="285840" indent="-281160">
               <a:lnSpc>
                 <a:spcPct val="120000"/>
               </a:lnSpc>
@@ -6855,7 +7357,7 @@
         <p:spPr>
           <a:xfrm>
             <a:off x="720000" y="288000"/>
-            <a:ext cx="6619680" cy="499680"/>
+            <a:ext cx="6619320" cy="499320"/>
           </a:xfrm>
           <a:prstGeom prst="rect">
             <a:avLst/>
@@ -6904,7 +7406,7 @@
         <p:spPr>
           <a:xfrm>
             <a:off x="4968000" y="5004000"/>
-            <a:ext cx="3235680" cy="103680"/>
+            <a:ext cx="3235320" cy="103320"/>
           </a:xfrm>
           <a:prstGeom prst="rect">
             <a:avLst/>
@@ -6953,7 +7455,7 @@
         <p:spPr>
           <a:xfrm>
             <a:off x="8280000" y="5004000"/>
-            <a:ext cx="139680" cy="103680"/>
+            <a:ext cx="139320" cy="103320"/>
           </a:xfrm>
           <a:prstGeom prst="rect">
             <a:avLst/>
@@ -6977,7 +7479,7 @@
                 <a:spcPct val="100000"/>
               </a:lnSpc>
             </a:pPr>
-            <a:fld id="{BF93A83C-BCCF-44F8-B09A-F199E8EDCB2C}" type="slidenum">
+            <a:fld id="{82AF1E1E-B297-4F41-8E8E-C8F776B218D2}" type="slidenum">
               <a:rPr b="0" lang="en-US" sz="600" spc="-1" strike="noStrike">
                 <a:solidFill>
                   <a:srgbClr val="ffffff"/>
@@ -7002,7 +7504,7 @@
         <p:spPr>
           <a:xfrm>
             <a:off x="640080" y="822960"/>
-            <a:ext cx="6619680" cy="3882960"/>
+            <a:ext cx="6619320" cy="3882600"/>
           </a:xfrm>
           <a:prstGeom prst="rect">
             <a:avLst/>
@@ -7031,7 +7533,7 @@
             </a:endParaRPr>
           </a:p>
           <a:p>
-            <a:pPr marL="285840" indent="-281520">
+            <a:pPr marL="285840" indent="-281160">
               <a:lnSpc>
                 <a:spcPct val="120000"/>
               </a:lnSpc>
@@ -7056,7 +7558,7 @@
             </a:endParaRPr>
           </a:p>
           <a:p>
-            <a:pPr marL="285840" indent="-281520">
+            <a:pPr marL="285840" indent="-281160">
               <a:lnSpc>
                 <a:spcPct val="120000"/>
               </a:lnSpc>
@@ -7081,7 +7583,7 @@
             </a:endParaRPr>
           </a:p>
           <a:p>
-            <a:pPr marL="285840" indent="-281520">
+            <a:pPr marL="285840" indent="-281160">
               <a:lnSpc>
                 <a:spcPct val="120000"/>
               </a:lnSpc>
@@ -7099,14 +7601,14 @@
                 <a:latin typeface="Arial"/>
                 <a:ea typeface="DejaVu Sans"/>
               </a:rPr>
-              <a:t> </a:t>
+              <a:t>Import the context in Frame.js and use it in a &lt;UserContext.provider /&gt;</a:t>
             </a:r>
             <a:endParaRPr b="0" lang="en-US" sz="1500" spc="-1" strike="noStrike">
               <a:latin typeface="Arial"/>
             </a:endParaRPr>
           </a:p>
           <a:p>
-            <a:pPr marL="285840" indent="-281520">
+            <a:pPr marL="285840" indent="-281160">
               <a:lnSpc>
                 <a:spcPct val="120000"/>
               </a:lnSpc>
@@ -7124,14 +7626,14 @@
                 <a:latin typeface="Arial"/>
                 <a:ea typeface="DejaVu Sans"/>
               </a:rPr>
-              <a:t>Import the context in Frame.js and use it in a &lt;UserContext.provider /&gt;</a:t>
+              <a:t>Add state to the Frame component, consisting of a currently undefined user and a login function </a:t>
             </a:r>
             <a:endParaRPr b="0" lang="en-US" sz="1500" spc="-1" strike="noStrike">
               <a:latin typeface="Arial"/>
             </a:endParaRPr>
           </a:p>
           <a:p>
-            <a:pPr marL="285840" indent="-281520">
+            <a:pPr marL="285840" indent="-281160">
               <a:lnSpc>
                 <a:spcPct val="120000"/>
               </a:lnSpc>
@@ -7149,14 +7651,14 @@
                 <a:latin typeface="Arial"/>
                 <a:ea typeface="DejaVu Sans"/>
               </a:rPr>
-              <a:t>Add state to the component, consisting of a currently undefined user, a login function and a logout function</a:t>
+              <a:t>In the login function, use the login function from src/common/auth.js. Set sate.user to the user it returns</a:t>
             </a:r>
             <a:endParaRPr b="0" lang="en-US" sz="1500" spc="-1" strike="noStrike">
               <a:latin typeface="Arial"/>
             </a:endParaRPr>
           </a:p>
           <a:p>
-            <a:pPr marL="285840" indent="-281520">
+            <a:pPr marL="285840" indent="-281160">
               <a:lnSpc>
                 <a:spcPct val="120000"/>
               </a:lnSpc>
@@ -7174,14 +7676,14 @@
                 <a:latin typeface="Arial"/>
                 <a:ea typeface="DejaVu Sans"/>
               </a:rPr>
-              <a:t>In the login function, use the login function from src/common/auth.js. Set the state to it’s returned user.</a:t>
+              <a:t>As the UserContext value pass entire state </a:t>
             </a:r>
             <a:endParaRPr b="0" lang="en-US" sz="1500" spc="-1" strike="noStrike">
               <a:latin typeface="Arial"/>
             </a:endParaRPr>
           </a:p>
           <a:p>
-            <a:pPr marL="285840" indent="-281520">
+            <a:pPr marL="285840" indent="-281160">
               <a:lnSpc>
                 <a:spcPct val="120000"/>
               </a:lnSpc>
@@ -7199,14 +7701,14 @@
                 <a:latin typeface="Arial"/>
                 <a:ea typeface="DejaVu Sans"/>
               </a:rPr>
-              <a:t>In the logout function, use the logout function from the auth file</a:t>
+              <a:t>Wrap the JSX the Appbar returns in a &lt;UserContext.Consumer /&gt; and conditionally show either the users userName or the word login</a:t>
             </a:r>
             <a:endParaRPr b="0" lang="en-US" sz="1500" spc="-1" strike="noStrike">
               <a:latin typeface="Arial"/>
             </a:endParaRPr>
           </a:p>
           <a:p>
-            <a:pPr marL="285840" indent="-281520">
+            <a:pPr marL="285840" indent="-281160">
               <a:lnSpc>
                 <a:spcPct val="120000"/>
               </a:lnSpc>
@@ -7216,6 +7718,21 @@
               <a:buFont typeface="Arial"/>
               <a:buChar char="•"/>
             </a:pPr>
+            <a:endParaRPr b="0" lang="en-US" sz="1500" spc="-1" strike="noStrike">
+              <a:latin typeface="Arial"/>
+            </a:endParaRPr>
+          </a:p>
+          <a:p>
+            <a:pPr marL="285840" indent="-281160">
+              <a:lnSpc>
+                <a:spcPct val="120000"/>
+              </a:lnSpc>
+              <a:buClr>
+                <a:srgbClr val="000000"/>
+              </a:buClr>
+              <a:buFont typeface="Arial"/>
+              <a:buChar char="•"/>
+            </a:pPr>
             <a:r>
               <a:rPr b="0" lang="en-US" sz="1500" spc="-1" strike="noStrike">
                 <a:solidFill>
@@ -7224,57 +7741,7 @@
                 <a:latin typeface="Arial"/>
                 <a:ea typeface="DejaVu Sans"/>
               </a:rPr>
-              <a:t>As the UserContext value pass entire state</a:t>
-            </a:r>
-            <a:endParaRPr b="0" lang="en-US" sz="1500" spc="-1" strike="noStrike">
-              <a:latin typeface="Arial"/>
-            </a:endParaRPr>
-          </a:p>
-          <a:p>
-            <a:pPr marL="285840" indent="-281520">
-              <a:lnSpc>
-                <a:spcPct val="120000"/>
-              </a:lnSpc>
-              <a:buClr>
-                <a:srgbClr val="000000"/>
-              </a:buClr>
-              <a:buFont typeface="Arial"/>
-              <a:buChar char="•"/>
-            </a:pPr>
-            <a:r>
-              <a:rPr b="0" lang="en-US" sz="1500" spc="-1" strike="noStrike">
-                <a:solidFill>
-                  <a:srgbClr val="000000"/>
-                </a:solidFill>
-                <a:latin typeface="Arial"/>
-                <a:ea typeface="DejaVu Sans"/>
-              </a:rPr>
-              <a:t> </a:t>
-            </a:r>
-            <a:endParaRPr b="0" lang="en-US" sz="1500" spc="-1" strike="noStrike">
-              <a:latin typeface="Arial"/>
-            </a:endParaRPr>
-          </a:p>
-          <a:p>
-            <a:pPr marL="285840" indent="-281520">
-              <a:lnSpc>
-                <a:spcPct val="120000"/>
-              </a:lnSpc>
-              <a:buClr>
-                <a:srgbClr val="000000"/>
-              </a:buClr>
-              <a:buFont typeface="Arial"/>
-              <a:buChar char="•"/>
-            </a:pPr>
-            <a:r>
-              <a:rPr b="0" lang="en-US" sz="1500" spc="-1" strike="noStrike">
-                <a:solidFill>
-                  <a:srgbClr val="000000"/>
-                </a:solidFill>
-                <a:latin typeface="Arial"/>
-                <a:ea typeface="DejaVu Sans"/>
-              </a:rPr>
-              <a:t>Wrap the JSX the Appbar returns in a &lt;UserContext.Consumer /&gt; and conditionally show either the users userName or the word login</a:t>
+              <a:t>BONUS: Add logging out</a:t>
             </a:r>
             <a:endParaRPr b="0" lang="en-US" sz="1500" spc="-1" strike="noStrike">
               <a:latin typeface="Arial"/>
@@ -7350,7 +7817,7 @@
         <p:spPr>
           <a:xfrm>
             <a:off x="720000" y="288000"/>
-            <a:ext cx="6619680" cy="499680"/>
+            <a:ext cx="6619320" cy="499320"/>
           </a:xfrm>
           <a:prstGeom prst="rect">
             <a:avLst/>
@@ -7399,7 +7866,7 @@
         <p:spPr>
           <a:xfrm>
             <a:off x="4968000" y="5004000"/>
-            <a:ext cx="3235680" cy="103680"/>
+            <a:ext cx="3235320" cy="103320"/>
           </a:xfrm>
           <a:prstGeom prst="rect">
             <a:avLst/>
@@ -7448,7 +7915,7 @@
         <p:spPr>
           <a:xfrm>
             <a:off x="8280000" y="5004000"/>
-            <a:ext cx="139680" cy="103680"/>
+            <a:ext cx="139320" cy="103320"/>
           </a:xfrm>
           <a:prstGeom prst="rect">
             <a:avLst/>
@@ -7472,7 +7939,7 @@
                 <a:spcPct val="100000"/>
               </a:lnSpc>
             </a:pPr>
-            <a:fld id="{BFBAC462-0C3D-4AD6-A951-8CA6B3E06A14}" type="slidenum">
+            <a:fld id="{22355799-6552-4302-8EC0-7304EA46C2CB}" type="slidenum">
               <a:rPr b="0" lang="en-US" sz="600" spc="-1" strike="noStrike">
                 <a:solidFill>
                   <a:srgbClr val="ffffff"/>
@@ -7497,7 +7964,7 @@
         <p:spPr>
           <a:xfrm>
             <a:off x="640080" y="822960"/>
-            <a:ext cx="6619680" cy="3882960"/>
+            <a:ext cx="6619320" cy="3882600"/>
           </a:xfrm>
           <a:prstGeom prst="rect">
             <a:avLst/>
@@ -7521,12 +7988,22 @@
                 <a:spcPct val="120000"/>
               </a:lnSpc>
             </a:pPr>
-            <a:endParaRPr b="0" lang="en-US" sz="1800" spc="-1" strike="noStrike">
-              <a:latin typeface="Arial"/>
-            </a:endParaRPr>
-          </a:p>
-          <a:p>
-            <a:pPr marL="285840" indent="-281520">
+            <a:r>
+              <a:rPr b="0" lang="en-US" sz="1400" spc="-1" strike="noStrike">
+                <a:solidFill>
+                  <a:srgbClr val="000000"/>
+                </a:solidFill>
+                <a:latin typeface="Arial"/>
+                <a:ea typeface="DejaVu Sans"/>
+              </a:rPr>
+              <a:t>Create a LoginDialog component, pass it the properties open (a boolean) and handleClose (a function)</a:t>
+            </a:r>
+            <a:endParaRPr b="0" lang="en-US" sz="1400" spc="-1" strike="noStrike">
+              <a:latin typeface="Arial"/>
+            </a:endParaRPr>
+          </a:p>
+          <a:p>
+            <a:pPr marL="285840" indent="-281160">
               <a:lnSpc>
                 <a:spcPct val="120000"/>
               </a:lnSpc>
@@ -7537,21 +8014,21 @@
               <a:buChar char="•"/>
             </a:pPr>
             <a:r>
-              <a:rPr b="0" lang="en-US" sz="1500" spc="-1" strike="noStrike">
+              <a:rPr b="0" lang="en-US" sz="1400" spc="-1" strike="noStrike">
                 <a:solidFill>
                   <a:srgbClr val="000000"/>
                 </a:solidFill>
                 <a:latin typeface="Arial"/>
                 <a:ea typeface="DejaVu Sans"/>
               </a:rPr>
-              <a:t>Create a LoginDialog component, pass it the properties open (a boolean) and handleClose (a function)</a:t>
+              <a:t>In the render method, return a MUI &lt;Dialog /&gt;. Pass it the property open from your LoginDialog props.</a:t>
             </a:r>
-            <a:endParaRPr b="0" lang="en-US" sz="1500" spc="-1" strike="noStrike">
-              <a:latin typeface="Arial"/>
-            </a:endParaRPr>
-          </a:p>
-          <a:p>
-            <a:pPr marL="285840" indent="-281520">
+            <a:endParaRPr b="0" lang="en-US" sz="1400" spc="-1" strike="noStrike">
+              <a:latin typeface="Arial"/>
+            </a:endParaRPr>
+          </a:p>
+          <a:p>
+            <a:pPr marL="285840" indent="-281160">
               <a:lnSpc>
                 <a:spcPct val="120000"/>
               </a:lnSpc>
@@ -7562,21 +8039,21 @@
               <a:buChar char="•"/>
             </a:pPr>
             <a:r>
-              <a:rPr b="0" lang="en-US" sz="1500" spc="-1" strike="noStrike">
+              <a:rPr b="0" lang="en-US" sz="1400" spc="-1" strike="noStrike">
                 <a:solidFill>
                   <a:srgbClr val="000000"/>
                 </a:solidFill>
                 <a:latin typeface="Arial"/>
                 <a:ea typeface="DejaVu Sans"/>
               </a:rPr>
-              <a:t>In the render method, return a MUI &lt;Dialog /&gt;. Pass it the property open from your LoginDialog props.</a:t>
+              <a:t>Add two Inputs for email and password as well as a Button from MUI</a:t>
             </a:r>
-            <a:endParaRPr b="0" lang="en-US" sz="1500" spc="-1" strike="noStrike">
-              <a:latin typeface="Arial"/>
-            </a:endParaRPr>
-          </a:p>
-          <a:p>
-            <a:pPr marL="285840" indent="-281520">
+            <a:endParaRPr b="0" lang="en-US" sz="1400" spc="-1" strike="noStrike">
+              <a:latin typeface="Arial"/>
+            </a:endParaRPr>
+          </a:p>
+          <a:p>
+            <a:pPr marL="285840" indent="-281160">
               <a:lnSpc>
                 <a:spcPct val="120000"/>
               </a:lnSpc>
@@ -7587,21 +8064,21 @@
               <a:buChar char="•"/>
             </a:pPr>
             <a:r>
-              <a:rPr b="0" lang="en-US" sz="1500" spc="-1" strike="noStrike">
+              <a:rPr b="0" lang="en-US" sz="1400" spc="-1" strike="noStrike">
                 <a:solidFill>
                   <a:srgbClr val="000000"/>
                 </a:solidFill>
                 <a:latin typeface="Arial"/>
                 <a:ea typeface="DejaVu Sans"/>
               </a:rPr>
-              <a:t>Add Inputs for email and password as well as a confirm Button from MUI</a:t>
+              <a:t>Initialize two refs in the constructor and add them to the Inputs using callbacks in their inputRef property</a:t>
             </a:r>
-            <a:endParaRPr b="0" lang="en-US" sz="1500" spc="-1" strike="noStrike">
-              <a:latin typeface="Arial"/>
-            </a:endParaRPr>
-          </a:p>
-          <a:p>
-            <a:pPr marL="285840" indent="-281520">
+            <a:endParaRPr b="0" lang="en-US" sz="1400" spc="-1" strike="noStrike">
+              <a:latin typeface="Arial"/>
+            </a:endParaRPr>
+          </a:p>
+          <a:p>
+            <a:pPr marL="285840" indent="-281160">
               <a:lnSpc>
                 <a:spcPct val="120000"/>
               </a:lnSpc>
@@ -7612,21 +8089,21 @@
               <a:buChar char="•"/>
             </a:pPr>
             <a:r>
-              <a:rPr b="0" lang="en-US" sz="1500" spc="-1" strike="noStrike">
+              <a:rPr b="0" lang="en-US" sz="1400" spc="-1" strike="noStrike">
                 <a:solidFill>
                   <a:srgbClr val="000000"/>
                 </a:solidFill>
                 <a:latin typeface="Arial"/>
                 <a:ea typeface="DejaVu Sans"/>
               </a:rPr>
-              <a:t>Initialize two refs in the constructor and add them to the Inputs using callbacks in the inputRef property</a:t>
+              <a:t>Create a handleLogin function and add it to the onClick of the button.</a:t>
             </a:r>
-            <a:endParaRPr b="0" lang="en-US" sz="1500" spc="-1" strike="noStrike">
-              <a:latin typeface="Arial"/>
-            </a:endParaRPr>
-          </a:p>
-          <a:p>
-            <a:pPr marL="285840" indent="-281520">
+            <a:endParaRPr b="0" lang="en-US" sz="1400" spc="-1" strike="noStrike">
+              <a:latin typeface="Arial"/>
+            </a:endParaRPr>
+          </a:p>
+          <a:p>
+            <a:pPr marL="285840" indent="-281160">
               <a:lnSpc>
                 <a:spcPct val="120000"/>
               </a:lnSpc>
@@ -7637,21 +8114,21 @@
               <a:buChar char="•"/>
             </a:pPr>
             <a:r>
-              <a:rPr b="0" lang="en-US" sz="1500" spc="-1" strike="noStrike">
+              <a:rPr b="0" lang="en-US" sz="1400" spc="-1" strike="noStrike">
                 <a:solidFill>
                   <a:srgbClr val="000000"/>
                 </a:solidFill>
                 <a:latin typeface="Arial"/>
                 <a:ea typeface="DejaVu Sans"/>
               </a:rPr>
-              <a:t>Create a handleLogin function and add it to the onClick of the button.</a:t>
+              <a:t>Below your class, add `LoginDialog.contextType = UserContext`</a:t>
             </a:r>
-            <a:endParaRPr b="0" lang="en-US" sz="1500" spc="-1" strike="noStrike">
-              <a:latin typeface="Arial"/>
-            </a:endParaRPr>
-          </a:p>
-          <a:p>
-            <a:pPr marL="285840" indent="-281520">
+            <a:endParaRPr b="0" lang="en-US" sz="1400" spc="-1" strike="noStrike">
+              <a:latin typeface="Arial"/>
+            </a:endParaRPr>
+          </a:p>
+          <a:p>
+            <a:pPr marL="285840" indent="-281160">
               <a:lnSpc>
                 <a:spcPct val="120000"/>
               </a:lnSpc>
@@ -7662,21 +8139,21 @@
               <a:buChar char="•"/>
             </a:pPr>
             <a:r>
-              <a:rPr b="0" lang="en-US" sz="1500" spc="-1" strike="noStrike">
+              <a:rPr b="0" lang="en-US" sz="1400" spc="-1" strike="noStrike">
                 <a:solidFill>
                   <a:srgbClr val="000000"/>
                 </a:solidFill>
                 <a:latin typeface="Arial"/>
                 <a:ea typeface="DejaVu Sans"/>
               </a:rPr>
-              <a:t>Below your class, add a `LoginDialog.contextType = UserContext`</a:t>
+              <a:t>Add the login logic from your context to your handleLogin function.</a:t>
             </a:r>
-            <a:endParaRPr b="0" lang="en-US" sz="1500" spc="-1" strike="noStrike">
-              <a:latin typeface="Arial"/>
-            </a:endParaRPr>
-          </a:p>
-          <a:p>
-            <a:pPr marL="285840" indent="-281520">
+            <a:endParaRPr b="0" lang="en-US" sz="1400" spc="-1" strike="noStrike">
+              <a:latin typeface="Arial"/>
+            </a:endParaRPr>
+          </a:p>
+          <a:p>
+            <a:pPr marL="285840" indent="-281160">
               <a:lnSpc>
                 <a:spcPct val="120000"/>
               </a:lnSpc>
@@ -7687,41 +8164,36 @@
               <a:buChar char="•"/>
             </a:pPr>
             <a:r>
-              <a:rPr b="0" lang="en-US" sz="1500" spc="-1" strike="noStrike">
+              <a:rPr b="0" lang="en-US" sz="1400" spc="-1" strike="noStrike">
                 <a:solidFill>
                   <a:srgbClr val="000000"/>
                 </a:solidFill>
                 <a:latin typeface="Arial"/>
                 <a:ea typeface="DejaVu Sans"/>
               </a:rPr>
-              <a:t>Add the login logic to your handleLogin function.</a:t>
+              <a:t>Change the &lt;Appbar /&gt; render to contain the &lt;LoginDialog /&gt;. Add the necessary functions and state members to manage the `open` prop of the LoginDialog. Pass LoginDialog the necessary function in handleClose</a:t>
             </a:r>
-            <a:endParaRPr b="0" lang="en-US" sz="1500" spc="-1" strike="noStrike">
-              <a:latin typeface="Arial"/>
-            </a:endParaRPr>
-          </a:p>
-          <a:p>
-            <a:pPr marL="285840" indent="-281520">
+            <a:endParaRPr b="0" lang="en-US" sz="1400" spc="-1" strike="noStrike">
+              <a:latin typeface="Arial"/>
+            </a:endParaRPr>
+          </a:p>
+          <a:p>
+            <a:pPr>
               <a:lnSpc>
                 <a:spcPct val="120000"/>
               </a:lnSpc>
-              <a:buClr>
-                <a:srgbClr val="000000"/>
-              </a:buClr>
-              <a:buFont typeface="Arial"/>
-              <a:buChar char="•"/>
             </a:pPr>
             <a:r>
-              <a:rPr b="0" lang="en-US" sz="1500" spc="-1" strike="noStrike">
+              <a:rPr b="0" lang="en-US" sz="1400" spc="-1" strike="noStrike">
                 <a:solidFill>
                   <a:srgbClr val="000000"/>
                 </a:solidFill>
                 <a:latin typeface="Arial"/>
                 <a:ea typeface="DejaVu Sans"/>
               </a:rPr>
-              <a:t>Change the &lt;Appbar /&gt; render to contain the &lt;LoginDialog /&gt;. Add manage whether the dialog is open in the state and write a function to toggle this state. Pass this function as the handleClose.</a:t>
+              <a:t>BONUS: make the ‘favorite’ on the accommodations work again. The favorite accommodations list can be found on the user object.</a:t>
             </a:r>
-            <a:endParaRPr b="0" lang="en-US" sz="1500" spc="-1" strike="noStrike">
+            <a:endParaRPr b="0" lang="en-US" sz="1400" spc="-1" strike="noStrike">
               <a:latin typeface="Arial"/>
             </a:endParaRPr>
           </a:p>
@@ -7731,7 +8203,27 @@
                 <a:spcPct val="120000"/>
               </a:lnSpc>
             </a:pPr>
-            <a:endParaRPr b="0" lang="en-US" sz="1500" spc="-1" strike="noStrike">
+            <a:r>
+              <a:rPr b="0" lang="en-US" sz="1400" spc="-1" strike="noStrike">
+                <a:solidFill>
+                  <a:srgbClr val="000000"/>
+                </a:solidFill>
+                <a:latin typeface="Arial"/>
+                <a:ea typeface="DejaVu Sans"/>
+              </a:rPr>
+              <a:t>BONUS: add validation to the ‘email’ field of the login dialog</a:t>
+            </a:r>
+            <a:endParaRPr b="0" lang="en-US" sz="1400" spc="-1" strike="noStrike">
+              <a:latin typeface="Arial"/>
+            </a:endParaRPr>
+          </a:p>
+          <a:p>
+            <a:pPr>
+              <a:lnSpc>
+                <a:spcPct val="120000"/>
+              </a:lnSpc>
+            </a:pPr>
+            <a:endParaRPr b="0" lang="en-US" sz="1400" spc="-1" strike="noStrike">
               <a:latin typeface="Arial"/>
             </a:endParaRPr>
           </a:p>
@@ -7795,7 +8287,7 @@
         <p:spPr>
           <a:xfrm>
             <a:off x="720000" y="288000"/>
-            <a:ext cx="6619680" cy="499680"/>
+            <a:ext cx="6619320" cy="499320"/>
           </a:xfrm>
           <a:prstGeom prst="rect">
             <a:avLst/>
@@ -7844,7 +8336,7 @@
         <p:spPr>
           <a:xfrm>
             <a:off x="4968000" y="5004000"/>
-            <a:ext cx="3235680" cy="103680"/>
+            <a:ext cx="3235320" cy="103320"/>
           </a:xfrm>
           <a:prstGeom prst="rect">
             <a:avLst/>
@@ -7893,7 +8385,7 @@
         <p:spPr>
           <a:xfrm>
             <a:off x="8280000" y="5004000"/>
-            <a:ext cx="139680" cy="103680"/>
+            <a:ext cx="139320" cy="103320"/>
           </a:xfrm>
           <a:prstGeom prst="rect">
             <a:avLst/>
@@ -7917,7 +8409,7 @@
                 <a:spcPct val="100000"/>
               </a:lnSpc>
             </a:pPr>
-            <a:fld id="{33DA43E3-DE1F-4B9E-9C07-693CB48BC158}" type="slidenum">
+            <a:fld id="{61601DD3-213D-4C6A-956F-953349B00542}" type="slidenum">
               <a:rPr b="0" lang="en-US" sz="600" spc="-1" strike="noStrike">
                 <a:solidFill>
                   <a:srgbClr val="ffffff"/>
@@ -7942,7 +8434,7 @@
         <p:spPr>
           <a:xfrm>
             <a:off x="640080" y="822960"/>
-            <a:ext cx="6619680" cy="3882960"/>
+            <a:ext cx="6619320" cy="3882600"/>
           </a:xfrm>
           <a:prstGeom prst="rect">
             <a:avLst/>
@@ -7971,7 +8463,7 @@
             </a:endParaRPr>
           </a:p>
           <a:p>
-            <a:pPr marL="285840" indent="-281520">
+            <a:pPr marL="285840" indent="-281160">
               <a:lnSpc>
                 <a:spcPct val="120000"/>
               </a:lnSpc>
@@ -7996,7 +8488,7 @@
             </a:endParaRPr>
           </a:p>
           <a:p>
-            <a:pPr marL="285840" indent="-281520">
+            <a:pPr marL="285840" indent="-281160">
               <a:lnSpc>
                 <a:spcPct val="120000"/>
               </a:lnSpc>
@@ -8021,7 +8513,7 @@
             </a:endParaRPr>
           </a:p>
           <a:p>
-            <a:pPr marL="285840" indent="-281520">
+            <a:pPr marL="285840" indent="-281160">
               <a:lnSpc>
                 <a:spcPct val="120000"/>
               </a:lnSpc>
@@ -8046,7 +8538,7 @@
             </a:endParaRPr>
           </a:p>
           <a:p>
-            <a:pPr marL="285840" indent="-281520">
+            <a:pPr marL="285840" indent="-281160">
               <a:lnSpc>
                 <a:spcPct val="120000"/>
               </a:lnSpc>
@@ -8091,6 +8583,439 @@
           <p:childTnLst>
             <p:seq>
               <p:cTn id="16" dur="indefinite" nodeType="mainSeq"/>
+              <p:prevCondLst>
+                <p:cond delay="0" evt="onPrev">
+                  <p:tgtEl>
+                    <p:sldTgt/>
+                  </p:tgtEl>
+                </p:cond>
+              </p:prevCondLst>
+              <p:nextCondLst>
+                <p:cond delay="0" evt="onNext">
+                  <p:tgtEl>
+                    <p:sldTgt/>
+                  </p:tgtEl>
+                </p:cond>
+              </p:nextCondLst>
+            </p:seq>
+          </p:childTnLst>
+        </p:cTn>
+      </p:par>
+    </p:tnLst>
+  </p:timing>
+</p:sld>
+</file>
+
+<file path=ppt/slides/slide9.xml><?xml version="1.0" encoding="utf-8"?>
+<p:sld xmlns:a="http://schemas.openxmlformats.org/drawingml/2006/main" xmlns:p="http://schemas.openxmlformats.org/presentationml/2006/main" xmlns:r="http://schemas.openxmlformats.org/officeDocument/2006/relationships" xmlns:p14="http://schemas.microsoft.com/office/powerpoint/2010/main" xmlns:p15="http://schemas.microsoft.com/office/powerpoint/2012/main" xmlns:mc="http://schemas.openxmlformats.org/markup-compatibility/2006">
+  <p:cSld>
+    <p:spTree>
+      <p:nvGrpSpPr>
+        <p:cNvPr id="1" name=""/>
+        <p:cNvGrpSpPr/>
+        <p:nvPr/>
+      </p:nvGrpSpPr>
+      <p:grpSpPr>
+        <a:xfrm>
+          <a:off x="0" y="0"/>
+          <a:ext cx="0" cy="0"/>
+          <a:chOff x="0" y="0"/>
+          <a:chExt cx="0" cy="0"/>
+        </a:xfrm>
+      </p:grpSpPr>
+      <p:sp>
+        <p:nvSpPr>
+          <p:cNvPr id="159" name="CustomShape 1"/>
+          <p:cNvSpPr/>
+          <p:nvPr/>
+        </p:nvSpPr>
+        <p:spPr>
+          <a:xfrm>
+            <a:off x="720000" y="288000"/>
+            <a:ext cx="6619320" cy="499320"/>
+          </a:xfrm>
+          <a:prstGeom prst="rect">
+            <a:avLst/>
+          </a:prstGeom>
+          <a:noFill/>
+          <a:ln>
+            <a:noFill/>
+          </a:ln>
+        </p:spPr>
+        <p:style>
+          <a:lnRef idx="0"/>
+          <a:fillRef idx="0"/>
+          <a:effectRef idx="0"/>
+          <a:fontRef idx="minor"/>
+        </p:style>
+        <p:txBody>
+          <a:bodyPr lIns="0" rIns="0" tIns="0" bIns="0" anchor="ctr"/>
+          <a:p>
+            <a:pPr>
+              <a:lnSpc>
+                <a:spcPct val="85000"/>
+              </a:lnSpc>
+            </a:pPr>
+            <a:r>
+              <a:rPr b="1" lang="en-US" sz="1800" spc="-1" strike="noStrike">
+                <a:solidFill>
+                  <a:srgbClr val="e63232"/>
+                </a:solidFill>
+                <a:latin typeface="Arial"/>
+                <a:ea typeface="DejaVu Sans"/>
+              </a:rPr>
+              <a:t>Hands-on: Redux</a:t>
+            </a:r>
+            <a:endParaRPr b="0" lang="en-US" sz="1800" spc="-1" strike="noStrike">
+              <a:latin typeface="Arial"/>
+            </a:endParaRPr>
+          </a:p>
+        </p:txBody>
+      </p:sp>
+      <p:sp>
+        <p:nvSpPr>
+          <p:cNvPr id="160" name="CustomShape 2"/>
+          <p:cNvSpPr/>
+          <p:nvPr/>
+        </p:nvSpPr>
+        <p:spPr>
+          <a:xfrm>
+            <a:off x="4968000" y="5004000"/>
+            <a:ext cx="3235320" cy="103320"/>
+          </a:xfrm>
+          <a:prstGeom prst="rect">
+            <a:avLst/>
+          </a:prstGeom>
+          <a:noFill/>
+          <a:ln>
+            <a:noFill/>
+          </a:ln>
+        </p:spPr>
+        <p:style>
+          <a:lnRef idx="0"/>
+          <a:fillRef idx="0"/>
+          <a:effectRef idx="0"/>
+          <a:fontRef idx="minor"/>
+        </p:style>
+        <p:txBody>
+          <a:bodyPr lIns="0" rIns="0" tIns="0" bIns="0"/>
+          <a:p>
+            <a:pPr algn="r">
+              <a:lnSpc>
+                <a:spcPct val="100000"/>
+              </a:lnSpc>
+            </a:pPr>
+            <a:r>
+              <a:rPr b="0" lang="en-US" sz="600" spc="-1" strike="noStrike">
+                <a:solidFill>
+                  <a:srgbClr val="ffffff"/>
+                </a:solidFill>
+                <a:latin typeface="Arial"/>
+                <a:ea typeface="DejaVu Sans"/>
+              </a:rPr>
+              <a:t>React</a:t>
+            </a:r>
+            <a:endParaRPr b="0" lang="en-US" sz="600" spc="-1" strike="noStrike">
+              <a:latin typeface="Arial"/>
+            </a:endParaRPr>
+          </a:p>
+        </p:txBody>
+      </p:sp>
+      <p:sp>
+        <p:nvSpPr>
+          <p:cNvPr id="161" name="CustomShape 3"/>
+          <p:cNvSpPr/>
+          <p:nvPr/>
+        </p:nvSpPr>
+        <p:spPr>
+          <a:xfrm>
+            <a:off x="8280000" y="5004000"/>
+            <a:ext cx="139320" cy="103320"/>
+          </a:xfrm>
+          <a:prstGeom prst="rect">
+            <a:avLst/>
+          </a:prstGeom>
+          <a:noFill/>
+          <a:ln>
+            <a:noFill/>
+          </a:ln>
+        </p:spPr>
+        <p:style>
+          <a:lnRef idx="0"/>
+          <a:fillRef idx="0"/>
+          <a:effectRef idx="0"/>
+          <a:fontRef idx="minor"/>
+        </p:style>
+        <p:txBody>
+          <a:bodyPr lIns="0" rIns="0" tIns="0" bIns="0"/>
+          <a:p>
+            <a:pPr algn="r">
+              <a:lnSpc>
+                <a:spcPct val="100000"/>
+              </a:lnSpc>
+            </a:pPr>
+            <a:fld id="{D98F0FC6-32F8-4FF2-9A47-1E67E1D36548}" type="slidenum">
+              <a:rPr b="0" lang="en-US" sz="600" spc="-1" strike="noStrike">
+                <a:solidFill>
+                  <a:srgbClr val="ffffff"/>
+                </a:solidFill>
+                <a:latin typeface="Arial"/>
+                <a:ea typeface="DejaVu Sans"/>
+              </a:rPr>
+              <a:t>&lt;number&gt;</a:t>
+            </a:fld>
+            <a:endParaRPr b="0" lang="en-US" sz="600" spc="-1" strike="noStrike">
+              <a:latin typeface="Arial"/>
+            </a:endParaRPr>
+          </a:p>
+        </p:txBody>
+      </p:sp>
+      <p:sp>
+        <p:nvSpPr>
+          <p:cNvPr id="162" name="CustomShape 4"/>
+          <p:cNvSpPr/>
+          <p:nvPr/>
+        </p:nvSpPr>
+        <p:spPr>
+          <a:xfrm>
+            <a:off x="640080" y="822960"/>
+            <a:ext cx="6619320" cy="3882600"/>
+          </a:xfrm>
+          <a:prstGeom prst="rect">
+            <a:avLst/>
+          </a:prstGeom>
+          <a:noFill/>
+          <a:ln>
+            <a:noFill/>
+          </a:ln>
+        </p:spPr>
+        <p:style>
+          <a:lnRef idx="0"/>
+          <a:fillRef idx="0"/>
+          <a:effectRef idx="0"/>
+          <a:fontRef idx="minor"/>
+        </p:style>
+        <p:txBody>
+          <a:bodyPr lIns="0" rIns="0" tIns="0" bIns="0"/>
+          <a:p>
+            <a:pPr>
+              <a:lnSpc>
+                <a:spcPct val="120000"/>
+              </a:lnSpc>
+            </a:pPr>
+            <a:endParaRPr b="0" lang="en-US" sz="1800" spc="-1" strike="noStrike">
+              <a:latin typeface="Arial"/>
+            </a:endParaRPr>
+          </a:p>
+          <a:p>
+            <a:pPr marL="285840" indent="-281160">
+              <a:lnSpc>
+                <a:spcPct val="120000"/>
+              </a:lnSpc>
+              <a:buClr>
+                <a:srgbClr val="000000"/>
+              </a:buClr>
+              <a:buFont typeface="Arial"/>
+              <a:buChar char="•"/>
+            </a:pPr>
+            <a:r>
+              <a:rPr b="0" lang="en-US" sz="1500" spc="-1" strike="noStrike">
+                <a:solidFill>
+                  <a:srgbClr val="000000"/>
+                </a:solidFill>
+                <a:latin typeface="Arial"/>
+                <a:ea typeface="DejaVu Sans"/>
+              </a:rPr>
+              <a:t>Create a store configuration file in src/store:</a:t>
+            </a:r>
+            <a:endParaRPr b="0" lang="en-US" sz="1500" spc="-1" strike="noStrike">
+              <a:latin typeface="Arial"/>
+            </a:endParaRPr>
+          </a:p>
+          <a:p>
+            <a:pPr marL="285840" indent="-281160">
+              <a:lnSpc>
+                <a:spcPct val="120000"/>
+              </a:lnSpc>
+              <a:buClr>
+                <a:srgbClr val="000000"/>
+              </a:buClr>
+              <a:buFont typeface="Arial"/>
+              <a:buChar char="•"/>
+            </a:pPr>
+            <a:endParaRPr b="0" lang="en-US" sz="1500" spc="-1" strike="noStrike">
+              <a:latin typeface="Arial"/>
+            </a:endParaRPr>
+          </a:p>
+          <a:p>
+            <a:pPr marL="285840" indent="-281160">
+              <a:lnSpc>
+                <a:spcPct val="120000"/>
+              </a:lnSpc>
+              <a:buClr>
+                <a:srgbClr val="000000"/>
+              </a:buClr>
+              <a:buFont typeface="Arial"/>
+              <a:buChar char="•"/>
+            </a:pPr>
+            <a:endParaRPr b="0" lang="en-US" sz="1500" spc="-1" strike="noStrike">
+              <a:latin typeface="Arial"/>
+            </a:endParaRPr>
+          </a:p>
+          <a:p>
+            <a:pPr marL="285840" indent="-281160">
+              <a:lnSpc>
+                <a:spcPct val="120000"/>
+              </a:lnSpc>
+              <a:buClr>
+                <a:srgbClr val="000000"/>
+              </a:buClr>
+              <a:buFont typeface="Arial"/>
+              <a:buChar char="•"/>
+            </a:pPr>
+            <a:endParaRPr b="0" lang="en-US" sz="1500" spc="-1" strike="noStrike">
+              <a:latin typeface="Arial"/>
+            </a:endParaRPr>
+          </a:p>
+          <a:p>
+            <a:pPr marL="285840" indent="-281160">
+              <a:lnSpc>
+                <a:spcPct val="120000"/>
+              </a:lnSpc>
+              <a:buClr>
+                <a:srgbClr val="000000"/>
+              </a:buClr>
+              <a:buFont typeface="Arial"/>
+              <a:buChar char="•"/>
+            </a:pPr>
+            <a:endParaRPr b="0" lang="en-US" sz="1500" spc="-1" strike="noStrike">
+              <a:latin typeface="Arial"/>
+            </a:endParaRPr>
+          </a:p>
+          <a:p>
+            <a:pPr marL="285840" indent="-281160">
+              <a:lnSpc>
+                <a:spcPct val="120000"/>
+              </a:lnSpc>
+              <a:buClr>
+                <a:srgbClr val="000000"/>
+              </a:buClr>
+              <a:buFont typeface="Arial"/>
+              <a:buChar char="•"/>
+            </a:pPr>
+            <a:endParaRPr b="0" lang="en-US" sz="1500" spc="-1" strike="noStrike">
+              <a:latin typeface="Arial"/>
+            </a:endParaRPr>
+          </a:p>
+          <a:p>
+            <a:pPr marL="285840" indent="-281160">
+              <a:lnSpc>
+                <a:spcPct val="120000"/>
+              </a:lnSpc>
+              <a:buClr>
+                <a:srgbClr val="000000"/>
+              </a:buClr>
+              <a:buFont typeface="Arial"/>
+              <a:buChar char="•"/>
+            </a:pPr>
+            <a:endParaRPr b="0" lang="en-US" sz="1500" spc="-1" strike="noStrike">
+              <a:latin typeface="Arial"/>
+            </a:endParaRPr>
+          </a:p>
+          <a:p>
+            <a:pPr marL="285840" indent="-281160">
+              <a:lnSpc>
+                <a:spcPct val="120000"/>
+              </a:lnSpc>
+              <a:buClr>
+                <a:srgbClr val="000000"/>
+              </a:buClr>
+              <a:buFont typeface="Arial"/>
+              <a:buChar char="•"/>
+            </a:pPr>
+            <a:endParaRPr b="0" lang="en-US" sz="1500" spc="-1" strike="noStrike">
+              <a:latin typeface="Arial"/>
+            </a:endParaRPr>
+          </a:p>
+          <a:p>
+            <a:pPr marL="285840" indent="-281160">
+              <a:lnSpc>
+                <a:spcPct val="120000"/>
+              </a:lnSpc>
+              <a:buClr>
+                <a:srgbClr val="000000"/>
+              </a:buClr>
+              <a:buFont typeface="Arial"/>
+              <a:buChar char="•"/>
+            </a:pPr>
+            <a:r>
+              <a:rPr b="0" lang="en-US" sz="1500" spc="-1" strike="noStrike">
+                <a:solidFill>
+                  <a:srgbClr val="000000"/>
+                </a:solidFill>
+                <a:latin typeface="Arial"/>
+                <a:ea typeface="DejaVu Sans"/>
+              </a:rPr>
+              <a:t> </a:t>
+            </a:r>
+            <a:r>
+              <a:rPr b="0" lang="en-US" sz="1500" spc="-1" strike="noStrike">
+                <a:solidFill>
+                  <a:srgbClr val="000000"/>
+                </a:solidFill>
+                <a:latin typeface="Arial"/>
+                <a:ea typeface="DejaVu Sans"/>
+              </a:rPr>
+              <a:t>Initialize and provide the store by assigning the return from configureStore() to a constant in your App.js. Wrap &lt;Provider /&gt; from react-redux around the rest of your app. </a:t>
+            </a:r>
+            <a:endParaRPr b="0" lang="en-US" sz="1500" spc="-1" strike="noStrike">
+              <a:latin typeface="Arial"/>
+            </a:endParaRPr>
+          </a:p>
+          <a:p>
+            <a:pPr>
+              <a:lnSpc>
+                <a:spcPct val="120000"/>
+              </a:lnSpc>
+            </a:pPr>
+            <a:endParaRPr b="0" lang="en-US" sz="1500" spc="-1" strike="noStrike">
+              <a:latin typeface="Arial"/>
+            </a:endParaRPr>
+          </a:p>
+        </p:txBody>
+      </p:sp>
+      <p:pic>
+        <p:nvPicPr>
+          <p:cNvPr id="163" name="" descr=""/>
+          <p:cNvPicPr/>
+          <p:nvPr/>
+        </p:nvPicPr>
+        <p:blipFill>
+          <a:blip r:embed="rId1"/>
+          <a:stretch/>
+        </p:blipFill>
+        <p:spPr>
+          <a:xfrm>
+            <a:off x="731520" y="1463040"/>
+            <a:ext cx="7810200" cy="1647360"/>
+          </a:xfrm>
+          <a:prstGeom prst="rect">
+            <a:avLst/>
+          </a:prstGeom>
+          <a:ln>
+            <a:noFill/>
+          </a:ln>
+        </p:spPr>
+      </p:pic>
+    </p:spTree>
+  </p:cSld>
+  <p:timing>
+    <p:tnLst>
+      <p:par>
+        <p:cTn id="17" dur="indefinite" restart="never" nodeType="tmRoot">
+          <p:childTnLst>
+            <p:seq>
+              <p:cTn id="18" dur="indefinite" nodeType="mainSeq"/>
               <p:prevCondLst>
                 <p:cond delay="0" evt="onPrev">
                   <p:tgtEl>

--- a/sig3/slides/SIG react 3.pptx
+++ b/sig3/slides/SIG react 3.pptx
@@ -17,6 +17,7 @@
     <p:sldId id="263" r:id="rId12"/>
     <p:sldId id="264" r:id="rId13"/>
     <p:sldId id="265" r:id="rId14"/>
+    <p:sldId id="266" r:id="rId15"/>
   </p:sldIdLst>
   <p:sldSz cx="9144000" cy="5143500"/>
   <p:notesSz cx="7559675" cy="10691812"/>
@@ -4056,7 +4057,7 @@
         <p:spPr>
           <a:xfrm>
             <a:off x="7200000" y="360000"/>
-            <a:ext cx="1254240" cy="281880"/>
+            <a:ext cx="1253880" cy="281520"/>
           </a:xfrm>
           <a:prstGeom prst="rect">
             <a:avLst/>
@@ -4079,7 +4080,7 @@
         <p:spPr>
           <a:xfrm>
             <a:off x="0" y="4966560"/>
-            <a:ext cx="9139320" cy="172080"/>
+            <a:ext cx="9138960" cy="171720"/>
           </a:xfrm>
           <a:prstGeom prst="rect">
             <a:avLst/>
@@ -4136,7 +4137,7 @@
         <p:spPr>
           <a:xfrm>
             <a:off x="0" y="4966560"/>
-            <a:ext cx="9139320" cy="172080"/>
+            <a:ext cx="9138960" cy="171720"/>
           </a:xfrm>
           <a:prstGeom prst="rect">
             <a:avLst/>
@@ -4159,7 +4160,7 @@
         <p:spPr>
           <a:xfrm>
             <a:off x="648000" y="108000"/>
-            <a:ext cx="2875680" cy="644400"/>
+            <a:ext cx="2875320" cy="644040"/>
           </a:xfrm>
           <a:prstGeom prst="rect">
             <a:avLst/>
@@ -4243,7 +4244,19 @@
               <a:rPr b="0" lang="en-US" sz="3200" spc="-1" strike="noStrike">
                 <a:latin typeface="Arial"/>
               </a:rPr>
-              <a:t>Click to edit the outline text format</a:t>
+              <a:t>Click to edit </a:t>
+            </a:r>
+            <a:r>
+              <a:rPr b="0" lang="en-US" sz="3200" spc="-1" strike="noStrike">
+                <a:latin typeface="Arial"/>
+              </a:rPr>
+              <a:t>the outline </a:t>
+            </a:r>
+            <a:r>
+              <a:rPr b="0" lang="en-US" sz="3200" spc="-1" strike="noStrike">
+                <a:latin typeface="Arial"/>
+              </a:rPr>
+              <a:t>text format</a:t>
             </a:r>
             <a:endParaRPr b="0" lang="en-US" sz="3200" spc="-1" strike="noStrike">
               <a:latin typeface="Arial"/>
@@ -4265,7 +4278,19 @@
               <a:rPr b="0" lang="en-US" sz="2800" spc="-1" strike="noStrike">
                 <a:latin typeface="Arial"/>
               </a:rPr>
-              <a:t>Second Outline Level</a:t>
+              <a:t>Second </a:t>
+            </a:r>
+            <a:r>
+              <a:rPr b="0" lang="en-US" sz="2800" spc="-1" strike="noStrike">
+                <a:latin typeface="Arial"/>
+              </a:rPr>
+              <a:t>Outline </a:t>
+            </a:r>
+            <a:r>
+              <a:rPr b="0" lang="en-US" sz="2800" spc="-1" strike="noStrike">
+                <a:latin typeface="Arial"/>
+              </a:rPr>
+              <a:t>Level</a:t>
             </a:r>
             <a:endParaRPr b="0" lang="en-US" sz="2800" spc="-1" strike="noStrike">
               <a:latin typeface="Arial"/>
@@ -4287,7 +4312,19 @@
               <a:rPr b="0" lang="en-US" sz="2400" spc="-1" strike="noStrike">
                 <a:latin typeface="Arial"/>
               </a:rPr>
-              <a:t>Third Outline Level</a:t>
+              <a:t>Third </a:t>
+            </a:r>
+            <a:r>
+              <a:rPr b="0" lang="en-US" sz="2400" spc="-1" strike="noStrike">
+                <a:latin typeface="Arial"/>
+              </a:rPr>
+              <a:t>Outline </a:t>
+            </a:r>
+            <a:r>
+              <a:rPr b="0" lang="en-US" sz="2400" spc="-1" strike="noStrike">
+                <a:latin typeface="Arial"/>
+              </a:rPr>
+              <a:t>Level</a:t>
             </a:r>
             <a:endParaRPr b="0" lang="en-US" sz="2400" spc="-1" strike="noStrike">
               <a:latin typeface="Arial"/>
@@ -4309,7 +4346,19 @@
               <a:rPr b="0" lang="en-US" sz="2000" spc="-1" strike="noStrike">
                 <a:latin typeface="Arial"/>
               </a:rPr>
-              <a:t>Fourth Outline Level</a:t>
+              <a:t>Fourth </a:t>
+            </a:r>
+            <a:r>
+              <a:rPr b="0" lang="en-US" sz="2000" spc="-1" strike="noStrike">
+                <a:latin typeface="Arial"/>
+              </a:rPr>
+              <a:t>Outline </a:t>
+            </a:r>
+            <a:r>
+              <a:rPr b="0" lang="en-US" sz="2000" spc="-1" strike="noStrike">
+                <a:latin typeface="Arial"/>
+              </a:rPr>
+              <a:t>Level</a:t>
             </a:r>
             <a:endParaRPr b="0" lang="en-US" sz="2000" spc="-1" strike="noStrike">
               <a:latin typeface="Arial"/>
@@ -4331,7 +4380,37 @@
               <a:rPr b="0" lang="en-US" sz="2000" spc="-1" strike="noStrike">
                 <a:latin typeface="Arial"/>
               </a:rPr>
-              <a:t>Fifth Outline Level</a:t>
+              <a:t>Fift</a:t>
+            </a:r>
+            <a:r>
+              <a:rPr b="0" lang="en-US" sz="2000" spc="-1" strike="noStrike">
+                <a:latin typeface="Arial"/>
+              </a:rPr>
+              <a:t>h </a:t>
+            </a:r>
+            <a:r>
+              <a:rPr b="0" lang="en-US" sz="2000" spc="-1" strike="noStrike">
+                <a:latin typeface="Arial"/>
+              </a:rPr>
+              <a:t>Outl</a:t>
+            </a:r>
+            <a:r>
+              <a:rPr b="0" lang="en-US" sz="2000" spc="-1" strike="noStrike">
+                <a:latin typeface="Arial"/>
+              </a:rPr>
+              <a:t>ine </a:t>
+            </a:r>
+            <a:r>
+              <a:rPr b="0" lang="en-US" sz="2000" spc="-1" strike="noStrike">
+                <a:latin typeface="Arial"/>
+              </a:rPr>
+              <a:t>Lev</a:t>
+            </a:r>
+            <a:r>
+              <a:rPr b="0" lang="en-US" sz="2000" spc="-1" strike="noStrike">
+                <a:latin typeface="Arial"/>
+              </a:rPr>
+              <a:t>el</a:t>
             </a:r>
             <a:endParaRPr b="0" lang="en-US" sz="2000" spc="-1" strike="noStrike">
               <a:latin typeface="Arial"/>
@@ -4353,7 +4432,115 @@
               <a:rPr b="0" lang="en-US" sz="2000" spc="-1" strike="noStrike">
                 <a:latin typeface="Arial"/>
               </a:rPr>
-              <a:t>Sixth Outline Level</a:t>
+              <a:t>S</a:t>
+            </a:r>
+            <a:r>
+              <a:rPr b="0" lang="en-US" sz="2000" spc="-1" strike="noStrike">
+                <a:latin typeface="Arial"/>
+              </a:rPr>
+              <a:t>i</a:t>
+            </a:r>
+            <a:r>
+              <a:rPr b="0" lang="en-US" sz="2000" spc="-1" strike="noStrike">
+                <a:latin typeface="Arial"/>
+              </a:rPr>
+              <a:t>x</a:t>
+            </a:r>
+            <a:r>
+              <a:rPr b="0" lang="en-US" sz="2000" spc="-1" strike="noStrike">
+                <a:latin typeface="Arial"/>
+              </a:rPr>
+              <a:t>t</a:t>
+            </a:r>
+            <a:r>
+              <a:rPr b="0" lang="en-US" sz="2000" spc="-1" strike="noStrike">
+                <a:latin typeface="Arial"/>
+              </a:rPr>
+              <a:t>h</a:t>
+            </a:r>
+            <a:r>
+              <a:rPr b="0" lang="en-US" sz="2000" spc="-1" strike="noStrike">
+                <a:latin typeface="Arial"/>
+              </a:rPr>
+              <a:t> </a:t>
+            </a:r>
+            <a:r>
+              <a:rPr b="0" lang="en-US" sz="2000" spc="-1" strike="noStrike">
+                <a:latin typeface="Arial"/>
+              </a:rPr>
+              <a:t>O</a:t>
+            </a:r>
+            <a:r>
+              <a:rPr b="0" lang="en-US" sz="2000" spc="-1" strike="noStrike">
+                <a:latin typeface="Arial"/>
+              </a:rPr>
+              <a:t>u</a:t>
+            </a:r>
+            <a:r>
+              <a:rPr b="0" lang="en-US" sz="2000" spc="-1" strike="noStrike">
+                <a:latin typeface="Arial"/>
+              </a:rPr>
+              <a:t>t</a:t>
+            </a:r>
+            <a:r>
+              <a:rPr b="0" lang="en-US" sz="2000" spc="-1" strike="noStrike">
+                <a:latin typeface="Arial"/>
+              </a:rPr>
+              <a:t>l</a:t>
+            </a:r>
+            <a:r>
+              <a:rPr b="0" lang="en-US" sz="2000" spc="-1" strike="noStrike">
+                <a:latin typeface="Arial"/>
+              </a:rPr>
+              <a:t>i</a:t>
+            </a:r>
+            <a:r>
+              <a:rPr b="0" lang="en-US" sz="2000" spc="-1" strike="noStrike">
+                <a:latin typeface="Arial"/>
+              </a:rPr>
+              <a:t>n</a:t>
+            </a:r>
+            <a:r>
+              <a:rPr b="0" lang="en-US" sz="2000" spc="-1" strike="noStrike">
+                <a:latin typeface="Arial"/>
+              </a:rPr>
+              <a:t>e</a:t>
+            </a:r>
+            <a:r>
+              <a:rPr b="0" lang="en-US" sz="2000" spc="-1" strike="noStrike">
+                <a:latin typeface="Arial"/>
+              </a:rPr>
+              <a:t> </a:t>
+            </a:r>
+            <a:r>
+              <a:rPr b="0" lang="en-US" sz="2000" spc="-1" strike="noStrike">
+                <a:latin typeface="Arial"/>
+              </a:rPr>
+              <a:t>L</a:t>
+            </a:r>
+            <a:r>
+              <a:rPr b="0" lang="en-US" sz="2000" spc="-1" strike="noStrike">
+                <a:latin typeface="Arial"/>
+              </a:rPr>
+              <a:t>e</a:t>
+            </a:r>
+            <a:r>
+              <a:rPr b="0" lang="en-US" sz="2000" spc="-1" strike="noStrike">
+                <a:latin typeface="Arial"/>
+              </a:rPr>
+              <a:t>v</a:t>
+            </a:r>
+            <a:r>
+              <a:rPr b="0" lang="en-US" sz="2000" spc="-1" strike="noStrike">
+                <a:latin typeface="Arial"/>
+              </a:rPr>
+              <a:t>e</a:t>
+            </a:r>
+            <a:r>
+              <a:rPr b="0" lang="en-US" sz="2000" spc="-1" strike="noStrike">
+                <a:latin typeface="Arial"/>
+              </a:rPr>
+              <a:t>l</a:t>
             </a:r>
             <a:endParaRPr b="0" lang="en-US" sz="2000" spc="-1" strike="noStrike">
               <a:latin typeface="Arial"/>
@@ -4375,7 +4562,127 @@
               <a:rPr b="0" lang="en-US" sz="2000" spc="-1" strike="noStrike">
                 <a:latin typeface="Arial"/>
               </a:rPr>
-              <a:t>Seventh Outline Level</a:t>
+              <a:t>S</a:t>
+            </a:r>
+            <a:r>
+              <a:rPr b="0" lang="en-US" sz="2000" spc="-1" strike="noStrike">
+                <a:latin typeface="Arial"/>
+              </a:rPr>
+              <a:t>e</a:t>
+            </a:r>
+            <a:r>
+              <a:rPr b="0" lang="en-US" sz="2000" spc="-1" strike="noStrike">
+                <a:latin typeface="Arial"/>
+              </a:rPr>
+              <a:t>v</a:t>
+            </a:r>
+            <a:r>
+              <a:rPr b="0" lang="en-US" sz="2000" spc="-1" strike="noStrike">
+                <a:latin typeface="Arial"/>
+              </a:rPr>
+              <a:t>e</a:t>
+            </a:r>
+            <a:r>
+              <a:rPr b="0" lang="en-US" sz="2000" spc="-1" strike="noStrike">
+                <a:latin typeface="Arial"/>
+              </a:rPr>
+              <a:t>n</a:t>
+            </a:r>
+            <a:r>
+              <a:rPr b="0" lang="en-US" sz="2000" spc="-1" strike="noStrike">
+                <a:latin typeface="Arial"/>
+              </a:rPr>
+              <a:t>t</a:t>
+            </a:r>
+            <a:r>
+              <a:rPr b="0" lang="en-US" sz="2000" spc="-1" strike="noStrike">
+                <a:latin typeface="Arial"/>
+              </a:rPr>
+              <a:t>h</a:t>
+            </a:r>
+            <a:r>
+              <a:rPr b="0" lang="en-US" sz="2000" spc="-1" strike="noStrike">
+                <a:latin typeface="Arial"/>
+              </a:rPr>
+              <a:t> </a:t>
+            </a:r>
+            <a:r>
+              <a:rPr b="0" lang="en-US" sz="2000" spc="-1" strike="noStrike">
+                <a:latin typeface="Arial"/>
+              </a:rPr>
+              <a:t>O</a:t>
+            </a:r>
+            <a:r>
+              <a:rPr b="0" lang="en-US" sz="2000" spc="-1" strike="noStrike">
+                <a:latin typeface="Arial"/>
+              </a:rPr>
+              <a:t>u</a:t>
+            </a:r>
+            <a:r>
+              <a:rPr b="0" lang="en-US" sz="2000" spc="-1" strike="noStrike">
+                <a:latin typeface="Arial"/>
+              </a:rPr>
+              <a:t>t</a:t>
+            </a:r>
+            <a:r>
+              <a:rPr b="0" lang="en-US" sz="2000" spc="-1" strike="noStrike">
+                <a:latin typeface="Arial"/>
+              </a:rPr>
+              <a:t>l</a:t>
+            </a:r>
+            <a:r>
+              <a:rPr b="0" lang="en-US" sz="2000" spc="-1" strike="noStrike">
+                <a:latin typeface="Arial"/>
+              </a:rPr>
+              <a:t>i</a:t>
+            </a:r>
+            <a:r>
+              <a:rPr b="0" lang="en-US" sz="2000" spc="-1" strike="noStrike">
+                <a:latin typeface="Arial"/>
+              </a:rPr>
+              <a:t>n</a:t>
+            </a:r>
+            <a:r>
+              <a:rPr b="0" lang="en-US" sz="2000" spc="-1" strike="noStrike">
+                <a:latin typeface="Arial"/>
+              </a:rPr>
+              <a:t>e</a:t>
+            </a:r>
+            <a:r>
+              <a:rPr b="0" lang="en-US" sz="2000" spc="-1" strike="noStrike">
+                <a:latin typeface="Arial"/>
+              </a:rPr>
+              <a:t> </a:t>
+            </a:r>
+            <a:r>
+              <a:rPr b="0" lang="en-US" sz="2000" spc="-1" strike="noStrike">
+                <a:latin typeface="Arial"/>
+              </a:rPr>
+              <a:t>L</a:t>
+            </a:r>
+            <a:r>
+              <a:rPr b="0" lang="en-US" sz="2000" spc="-1" strike="noStrike">
+                <a:latin typeface="Arial"/>
+              </a:rPr>
+              <a:t>e</a:t>
+            </a:r>
+            <a:r>
+              <a:rPr b="0" lang="en-US" sz="2000" spc="-1" strike="noStrike">
+                <a:latin typeface="Arial"/>
+              </a:rPr>
+              <a:t>v</a:t>
+            </a:r>
+            <a:r>
+              <a:rPr b="0" lang="en-US" sz="2000" spc="-1" strike="noStrike">
+                <a:latin typeface="Arial"/>
+              </a:rPr>
+              <a:t>e</a:t>
+            </a:r>
+            <a:r>
+              <a:rPr b="0" lang="en-US" sz="2000" spc="-1" strike="noStrike">
+                <a:latin typeface="Arial"/>
+              </a:rPr>
+              <a:t>l</a:t>
             </a:r>
             <a:endParaRPr b="0" lang="en-US" sz="2000" spc="-1" strike="noStrike">
               <a:latin typeface="Arial"/>
@@ -4440,7 +4747,7 @@
         <p:spPr>
           <a:xfrm>
             <a:off x="7200000" y="360000"/>
-            <a:ext cx="1254240" cy="281880"/>
+            <a:ext cx="1253880" cy="281520"/>
           </a:xfrm>
           <a:prstGeom prst="rect">
             <a:avLst/>
@@ -4463,7 +4770,7 @@
         <p:spPr>
           <a:xfrm>
             <a:off x="0" y="4966560"/>
-            <a:ext cx="9139320" cy="172080"/>
+            <a:ext cx="9138960" cy="171720"/>
           </a:xfrm>
           <a:prstGeom prst="rect">
             <a:avLst/>
@@ -4778,7 +5085,7 @@
         <p:spPr>
           <a:xfrm>
             <a:off x="7200000" y="360000"/>
-            <a:ext cx="1254240" cy="281880"/>
+            <a:ext cx="1253880" cy="281520"/>
           </a:xfrm>
           <a:prstGeom prst="rect">
             <a:avLst/>
@@ -4801,7 +5108,7 @@
         <p:spPr>
           <a:xfrm>
             <a:off x="0" y="4966560"/>
-            <a:ext cx="9139320" cy="172080"/>
+            <a:ext cx="9138960" cy="171720"/>
           </a:xfrm>
           <a:prstGeom prst="rect">
             <a:avLst/>
@@ -4854,7 +5161,7 @@
         <p:spPr>
           <a:xfrm>
             <a:off x="0" y="812880"/>
-            <a:ext cx="9139320" cy="3505320"/>
+            <a:ext cx="9138960" cy="3504960"/>
           </a:xfrm>
           <a:prstGeom prst="rect">
             <a:avLst/>
@@ -5146,7 +5453,7 @@
         <p:spPr>
           <a:xfrm>
             <a:off x="0" y="810000"/>
-            <a:ext cx="9139320" cy="3343320"/>
+            <a:ext cx="9138960" cy="3342960"/>
           </a:xfrm>
           <a:prstGeom prst="rect">
             <a:avLst/>
@@ -5168,7 +5475,7 @@
         <p:spPr>
           <a:xfrm>
             <a:off x="5400000" y="1548000"/>
-            <a:ext cx="3019320" cy="3019320"/>
+            <a:ext cx="3018960" cy="3018960"/>
           </a:xfrm>
           <a:prstGeom prst="rect">
             <a:avLst/>
@@ -5279,7 +5586,7 @@
         <p:spPr>
           <a:xfrm>
             <a:off x="720000" y="288000"/>
-            <a:ext cx="6619320" cy="499320"/>
+            <a:ext cx="6618960" cy="498960"/>
           </a:xfrm>
           <a:prstGeom prst="rect">
             <a:avLst/>
@@ -5328,7 +5635,7 @@
         <p:spPr>
           <a:xfrm>
             <a:off x="4968000" y="5004000"/>
-            <a:ext cx="3235320" cy="103320"/>
+            <a:ext cx="3234960" cy="102960"/>
           </a:xfrm>
           <a:prstGeom prst="rect">
             <a:avLst/>
@@ -5377,7 +5684,7 @@
         <p:spPr>
           <a:xfrm>
             <a:off x="8280000" y="5004000"/>
-            <a:ext cx="139320" cy="103320"/>
+            <a:ext cx="138960" cy="102960"/>
           </a:xfrm>
           <a:prstGeom prst="rect">
             <a:avLst/>
@@ -5401,7 +5708,7 @@
                 <a:spcPct val="100000"/>
               </a:lnSpc>
             </a:pPr>
-            <a:fld id="{1C5A149E-8F07-4E21-BEC2-69912AABE207}" type="slidenum">
+            <a:fld id="{F94580B6-BA2D-45DB-A8B4-2C13C518C17A}" type="slidenum">
               <a:rPr b="0" lang="en-US" sz="600" spc="-1" strike="noStrike">
                 <a:solidFill>
                   <a:srgbClr val="ffffff"/>
@@ -5426,7 +5733,7 @@
         <p:spPr>
           <a:xfrm>
             <a:off x="640080" y="780840"/>
-            <a:ext cx="6619320" cy="3882600"/>
+            <a:ext cx="6618960" cy="3882240"/>
           </a:xfrm>
           <a:prstGeom prst="rect">
             <a:avLst/>
@@ -5455,7 +5762,7 @@
             </a:endParaRPr>
           </a:p>
           <a:p>
-            <a:pPr marL="285840" indent="-281160">
+            <a:pPr marL="285840" indent="-280800">
               <a:lnSpc>
                 <a:spcPct val="120000"/>
               </a:lnSpc>
@@ -5473,14 +5780,14 @@
                 <a:latin typeface="Arial"/>
                 <a:ea typeface="DejaVu Sans"/>
               </a:rPr>
-              <a:t>Create a file: src/store/accommodations/reducer.js</a:t>
+              <a:t>Create a file: src/store/accommodations/actions.js</a:t>
             </a:r>
             <a:endParaRPr b="0" lang="en-US" sz="1500" spc="-1" strike="noStrike">
               <a:latin typeface="Arial"/>
             </a:endParaRPr>
           </a:p>
           <a:p>
-            <a:pPr marL="285840" indent="-281160">
+            <a:pPr marL="285840" indent="-280800">
               <a:lnSpc>
                 <a:spcPct val="120000"/>
               </a:lnSpc>
@@ -5498,14 +5805,14 @@
                 <a:latin typeface="Arial"/>
                 <a:ea typeface="DejaVu Sans"/>
               </a:rPr>
-              <a:t>Add the reducer function</a:t>
+              <a:t>Export an async getAllAccommodations action which takes a parameter called dispatch (`export const getAllAccommdations = async () =&gt; {}`). HINT: this means you will want to use `await`. </a:t>
             </a:r>
             <a:endParaRPr b="0" lang="en-US" sz="1500" spc="-1" strike="noStrike">
               <a:latin typeface="Arial"/>
             </a:endParaRPr>
           </a:p>
           <a:p>
-            <a:pPr marL="285840" indent="-281160">
+            <a:pPr marL="285840" indent="-280800">
               <a:lnSpc>
                 <a:spcPct val="120000"/>
               </a:lnSpc>
@@ -5523,14 +5830,14 @@
                 <a:latin typeface="Arial"/>
                 <a:ea typeface="DejaVu Sans"/>
               </a:rPr>
-              <a:t>It takes a state (default empty array) and an action (default empty object)</a:t>
+              <a:t>In the function, dispatch an object with the type “REQUEST_ACCOMMODATIONS”</a:t>
             </a:r>
             <a:endParaRPr b="0" lang="en-US" sz="1500" spc="-1" strike="noStrike">
               <a:latin typeface="Arial"/>
             </a:endParaRPr>
           </a:p>
           <a:p>
-            <a:pPr marL="285840" indent="-281160">
+            <a:pPr marL="285840" indent="-280800">
               <a:lnSpc>
                 <a:spcPct val="120000"/>
               </a:lnSpc>
@@ -5548,14 +5855,14 @@
                 <a:latin typeface="Arial"/>
                 <a:ea typeface="DejaVu Sans"/>
               </a:rPr>
-              <a:t>It contains a switch for the action.type</a:t>
+              <a:t>Move the accommodations fetch from Accommodations.js to here</a:t>
             </a:r>
             <a:endParaRPr b="0" lang="en-US" sz="1500" spc="-1" strike="noStrike">
               <a:latin typeface="Arial"/>
             </a:endParaRPr>
           </a:p>
           <a:p>
-            <a:pPr marL="285840" indent="-281160">
+            <a:pPr marL="285840" indent="-280800">
               <a:lnSpc>
                 <a:spcPct val="120000"/>
               </a:lnSpc>
@@ -5573,137 +5880,17 @@
                 <a:latin typeface="Arial"/>
                 <a:ea typeface="DejaVu Sans"/>
               </a:rPr>
-              <a:t>By default it returns the state</a:t>
+              <a:t>Dispatch a second object with type “RECEIVE_ACCOMMODATIONS” and  the accommodations as payload</a:t>
             </a:r>
             <a:endParaRPr b="0" lang="en-US" sz="1500" spc="-1" strike="noStrike">
               <a:latin typeface="Arial"/>
             </a:endParaRPr>
           </a:p>
           <a:p>
-            <a:pPr marL="285840" indent="-281160">
+            <a:pPr>
               <a:lnSpc>
                 <a:spcPct val="120000"/>
               </a:lnSpc>
-              <a:buClr>
-                <a:srgbClr val="000000"/>
-              </a:buClr>
-              <a:buFont typeface="Arial"/>
-              <a:buChar char="•"/>
-            </a:pPr>
-            <a:endParaRPr b="0" lang="en-US" sz="1500" spc="-1" strike="noStrike">
-              <a:latin typeface="Arial"/>
-            </a:endParaRPr>
-          </a:p>
-          <a:p>
-            <a:pPr marL="285840" indent="-281160">
-              <a:lnSpc>
-                <a:spcPct val="120000"/>
-              </a:lnSpc>
-              <a:buClr>
-                <a:srgbClr val="000000"/>
-              </a:buClr>
-              <a:buFont typeface="Arial"/>
-              <a:buChar char="•"/>
-            </a:pPr>
-            <a:r>
-              <a:rPr b="0" lang="en-US" sz="1500" spc="-1" strike="noStrike">
-                <a:solidFill>
-                  <a:srgbClr val="000000"/>
-                </a:solidFill>
-                <a:latin typeface="Arial"/>
-                <a:ea typeface="DejaVu Sans"/>
-              </a:rPr>
-              <a:t>Create a file: src/store/accommodations/actions.js</a:t>
-            </a:r>
-            <a:endParaRPr b="0" lang="en-US" sz="1500" spc="-1" strike="noStrike">
-              <a:latin typeface="Arial"/>
-            </a:endParaRPr>
-          </a:p>
-          <a:p>
-            <a:pPr marL="285840" indent="-281160">
-              <a:lnSpc>
-                <a:spcPct val="120000"/>
-              </a:lnSpc>
-              <a:buClr>
-                <a:srgbClr val="000000"/>
-              </a:buClr>
-              <a:buFont typeface="Arial"/>
-              <a:buChar char="•"/>
-            </a:pPr>
-            <a:r>
-              <a:rPr b="0" lang="en-US" sz="1500" spc="-1" strike="noStrike">
-                <a:solidFill>
-                  <a:srgbClr val="000000"/>
-                </a:solidFill>
-                <a:latin typeface="Arial"/>
-                <a:ea typeface="DejaVu Sans"/>
-              </a:rPr>
-              <a:t>Export an async getAllAccommodations action which takes a parameter called dispatch</a:t>
-            </a:r>
-            <a:endParaRPr b="0" lang="en-US" sz="1500" spc="-1" strike="noStrike">
-              <a:latin typeface="Arial"/>
-            </a:endParaRPr>
-          </a:p>
-          <a:p>
-            <a:pPr marL="285840" indent="-281160">
-              <a:lnSpc>
-                <a:spcPct val="120000"/>
-              </a:lnSpc>
-              <a:buClr>
-                <a:srgbClr val="000000"/>
-              </a:buClr>
-              <a:buFont typeface="Arial"/>
-              <a:buChar char="•"/>
-            </a:pPr>
-            <a:r>
-              <a:rPr b="0" lang="en-US" sz="1500" spc="-1" strike="noStrike">
-                <a:solidFill>
-                  <a:srgbClr val="000000"/>
-                </a:solidFill>
-                <a:latin typeface="Arial"/>
-                <a:ea typeface="DejaVu Sans"/>
-              </a:rPr>
-              <a:t>In the function, dispatch an objec with the type “REQUEST_ACCOMMODATIONS”</a:t>
-            </a:r>
-            <a:endParaRPr b="0" lang="en-US" sz="1500" spc="-1" strike="noStrike">
-              <a:latin typeface="Arial"/>
-            </a:endParaRPr>
-          </a:p>
-          <a:p>
-            <a:pPr marL="285840" indent="-281160">
-              <a:lnSpc>
-                <a:spcPct val="120000"/>
-              </a:lnSpc>
-              <a:buClr>
-                <a:srgbClr val="000000"/>
-              </a:buClr>
-              <a:buFont typeface="Arial"/>
-              <a:buChar char="•"/>
-            </a:pPr>
-            <a:r>
-              <a:rPr b="0" lang="en-US" sz="1500" spc="-1" strike="noStrike">
-                <a:solidFill>
-                  <a:srgbClr val="000000"/>
-                </a:solidFill>
-                <a:latin typeface="Arial"/>
-                <a:ea typeface="DejaVu Sans"/>
-              </a:rPr>
-              <a:t>Perform the fetch and put the result as a payload in a dispatch with type RECIEVE_ACCOMMODATIONS</a:t>
-            </a:r>
-            <a:endParaRPr b="0" lang="en-US" sz="1500" spc="-1" strike="noStrike">
-              <a:latin typeface="Arial"/>
-            </a:endParaRPr>
-          </a:p>
-          <a:p>
-            <a:pPr marL="285840" indent="-281160">
-              <a:lnSpc>
-                <a:spcPct val="120000"/>
-              </a:lnSpc>
-              <a:buClr>
-                <a:srgbClr val="000000"/>
-              </a:buClr>
-              <a:buFont typeface="Arial"/>
-              <a:buChar char="•"/>
             </a:pPr>
             <a:endParaRPr b="0" lang="en-US" sz="1500" spc="-1" strike="noStrike">
               <a:latin typeface="Arial"/>
@@ -5730,6 +5917,436 @@
           <p:childTnLst>
             <p:seq>
               <p:cTn id="20" dur="indefinite" nodeType="mainSeq"/>
+              <p:prevCondLst>
+                <p:cond delay="0" evt="onPrev">
+                  <p:tgtEl>
+                    <p:sldTgt/>
+                  </p:tgtEl>
+                </p:cond>
+              </p:prevCondLst>
+              <p:nextCondLst>
+                <p:cond delay="0" evt="onNext">
+                  <p:tgtEl>
+                    <p:sldTgt/>
+                  </p:tgtEl>
+                </p:cond>
+              </p:nextCondLst>
+            </p:seq>
+          </p:childTnLst>
+        </p:cTn>
+      </p:par>
+    </p:tnLst>
+  </p:timing>
+</p:sld>
+</file>
+
+<file path=ppt/slides/slide11.xml><?xml version="1.0" encoding="utf-8"?>
+<p:sld xmlns:a="http://schemas.openxmlformats.org/drawingml/2006/main" xmlns:p="http://schemas.openxmlformats.org/presentationml/2006/main" xmlns:r="http://schemas.openxmlformats.org/officeDocument/2006/relationships" xmlns:p14="http://schemas.microsoft.com/office/powerpoint/2010/main" xmlns:p15="http://schemas.microsoft.com/office/powerpoint/2012/main" xmlns:mc="http://schemas.openxmlformats.org/markup-compatibility/2006">
+  <p:cSld>
+    <p:spTree>
+      <p:nvGrpSpPr>
+        <p:cNvPr id="1" name=""/>
+        <p:cNvGrpSpPr/>
+        <p:nvPr/>
+      </p:nvGrpSpPr>
+      <p:grpSpPr>
+        <a:xfrm>
+          <a:off x="0" y="0"/>
+          <a:ext cx="0" cy="0"/>
+          <a:chOff x="0" y="0"/>
+          <a:chExt cx="0" cy="0"/>
+        </a:xfrm>
+      </p:grpSpPr>
+      <p:sp>
+        <p:nvSpPr>
+          <p:cNvPr id="168" name="CustomShape 1"/>
+          <p:cNvSpPr/>
+          <p:nvPr/>
+        </p:nvSpPr>
+        <p:spPr>
+          <a:xfrm>
+            <a:off x="720000" y="288000"/>
+            <a:ext cx="6618960" cy="498960"/>
+          </a:xfrm>
+          <a:prstGeom prst="rect">
+            <a:avLst/>
+          </a:prstGeom>
+          <a:noFill/>
+          <a:ln>
+            <a:noFill/>
+          </a:ln>
+        </p:spPr>
+        <p:style>
+          <a:lnRef idx="0"/>
+          <a:fillRef idx="0"/>
+          <a:effectRef idx="0"/>
+          <a:fontRef idx="minor"/>
+        </p:style>
+        <p:txBody>
+          <a:bodyPr lIns="0" rIns="0" tIns="0" bIns="0" anchor="ctr"/>
+          <a:p>
+            <a:pPr>
+              <a:lnSpc>
+                <a:spcPct val="85000"/>
+              </a:lnSpc>
+            </a:pPr>
+            <a:r>
+              <a:rPr b="1" lang="en-US" sz="1800" spc="-1" strike="noStrike">
+                <a:solidFill>
+                  <a:srgbClr val="e63232"/>
+                </a:solidFill>
+                <a:latin typeface="Arial"/>
+                <a:ea typeface="DejaVu Sans"/>
+              </a:rPr>
+              <a:t>Hands-on: Redux</a:t>
+            </a:r>
+            <a:endParaRPr b="0" lang="en-US" sz="1800" spc="-1" strike="noStrike">
+              <a:latin typeface="Arial"/>
+            </a:endParaRPr>
+          </a:p>
+        </p:txBody>
+      </p:sp>
+      <p:sp>
+        <p:nvSpPr>
+          <p:cNvPr id="169" name="CustomShape 2"/>
+          <p:cNvSpPr/>
+          <p:nvPr/>
+        </p:nvSpPr>
+        <p:spPr>
+          <a:xfrm>
+            <a:off x="4968000" y="5004000"/>
+            <a:ext cx="3234960" cy="102960"/>
+          </a:xfrm>
+          <a:prstGeom prst="rect">
+            <a:avLst/>
+          </a:prstGeom>
+          <a:noFill/>
+          <a:ln>
+            <a:noFill/>
+          </a:ln>
+        </p:spPr>
+        <p:style>
+          <a:lnRef idx="0"/>
+          <a:fillRef idx="0"/>
+          <a:effectRef idx="0"/>
+          <a:fontRef idx="minor"/>
+        </p:style>
+        <p:txBody>
+          <a:bodyPr lIns="0" rIns="0" tIns="0" bIns="0"/>
+          <a:p>
+            <a:pPr algn="r">
+              <a:lnSpc>
+                <a:spcPct val="100000"/>
+              </a:lnSpc>
+            </a:pPr>
+            <a:r>
+              <a:rPr b="0" lang="en-US" sz="600" spc="-1" strike="noStrike">
+                <a:solidFill>
+                  <a:srgbClr val="ffffff"/>
+                </a:solidFill>
+                <a:latin typeface="Arial"/>
+                <a:ea typeface="DejaVu Sans"/>
+              </a:rPr>
+              <a:t>React</a:t>
+            </a:r>
+            <a:endParaRPr b="0" lang="en-US" sz="600" spc="-1" strike="noStrike">
+              <a:latin typeface="Arial"/>
+            </a:endParaRPr>
+          </a:p>
+        </p:txBody>
+      </p:sp>
+      <p:sp>
+        <p:nvSpPr>
+          <p:cNvPr id="170" name="CustomShape 3"/>
+          <p:cNvSpPr/>
+          <p:nvPr/>
+        </p:nvSpPr>
+        <p:spPr>
+          <a:xfrm>
+            <a:off x="8280000" y="5004000"/>
+            <a:ext cx="138960" cy="102960"/>
+          </a:xfrm>
+          <a:prstGeom prst="rect">
+            <a:avLst/>
+          </a:prstGeom>
+          <a:noFill/>
+          <a:ln>
+            <a:noFill/>
+          </a:ln>
+        </p:spPr>
+        <p:style>
+          <a:lnRef idx="0"/>
+          <a:fillRef idx="0"/>
+          <a:effectRef idx="0"/>
+          <a:fontRef idx="minor"/>
+        </p:style>
+        <p:txBody>
+          <a:bodyPr lIns="0" rIns="0" tIns="0" bIns="0"/>
+          <a:p>
+            <a:pPr algn="r">
+              <a:lnSpc>
+                <a:spcPct val="100000"/>
+              </a:lnSpc>
+            </a:pPr>
+            <a:fld id="{1284D49E-E863-4F3E-B915-81147915B6BF}" type="slidenum">
+              <a:rPr b="0" lang="en-US" sz="600" spc="-1" strike="noStrike">
+                <a:solidFill>
+                  <a:srgbClr val="ffffff"/>
+                </a:solidFill>
+                <a:latin typeface="Arial"/>
+                <a:ea typeface="DejaVu Sans"/>
+              </a:rPr>
+              <a:t>&lt;number&gt;</a:t>
+            </a:fld>
+            <a:endParaRPr b="0" lang="en-US" sz="600" spc="-1" strike="noStrike">
+              <a:latin typeface="Arial"/>
+            </a:endParaRPr>
+          </a:p>
+        </p:txBody>
+      </p:sp>
+      <p:sp>
+        <p:nvSpPr>
+          <p:cNvPr id="171" name="CustomShape 4"/>
+          <p:cNvSpPr/>
+          <p:nvPr/>
+        </p:nvSpPr>
+        <p:spPr>
+          <a:xfrm>
+            <a:off x="640080" y="780840"/>
+            <a:ext cx="6618960" cy="3882240"/>
+          </a:xfrm>
+          <a:prstGeom prst="rect">
+            <a:avLst/>
+          </a:prstGeom>
+          <a:noFill/>
+          <a:ln>
+            <a:noFill/>
+          </a:ln>
+        </p:spPr>
+        <p:style>
+          <a:lnRef idx="0"/>
+          <a:fillRef idx="0"/>
+          <a:effectRef idx="0"/>
+          <a:fontRef idx="minor"/>
+        </p:style>
+        <p:txBody>
+          <a:bodyPr lIns="0" rIns="0" tIns="0" bIns="0"/>
+          <a:p>
+            <a:pPr>
+              <a:lnSpc>
+                <a:spcPct val="120000"/>
+              </a:lnSpc>
+            </a:pPr>
+            <a:endParaRPr b="0" lang="en-US" sz="1800" spc="-1" strike="noStrike">
+              <a:latin typeface="Arial"/>
+            </a:endParaRPr>
+          </a:p>
+          <a:p>
+            <a:pPr marL="285840" indent="-280800">
+              <a:lnSpc>
+                <a:spcPct val="120000"/>
+              </a:lnSpc>
+              <a:buClr>
+                <a:srgbClr val="000000"/>
+              </a:buClr>
+              <a:buFont typeface="Arial"/>
+              <a:buChar char="•"/>
+            </a:pPr>
+            <a:r>
+              <a:rPr b="0" lang="en-US" sz="1500" spc="-1" strike="noStrike">
+                <a:solidFill>
+                  <a:srgbClr val="000000"/>
+                </a:solidFill>
+                <a:latin typeface="Arial"/>
+                <a:ea typeface="DejaVu Sans"/>
+              </a:rPr>
+              <a:t>Create a file: src/store/accommodations/reducer.js</a:t>
+            </a:r>
+            <a:endParaRPr b="0" lang="en-US" sz="1500" spc="-1" strike="noStrike">
+              <a:latin typeface="Arial"/>
+            </a:endParaRPr>
+          </a:p>
+          <a:p>
+            <a:pPr marL="285840" indent="-280800">
+              <a:lnSpc>
+                <a:spcPct val="120000"/>
+              </a:lnSpc>
+              <a:buClr>
+                <a:srgbClr val="000000"/>
+              </a:buClr>
+              <a:buFont typeface="Arial"/>
+              <a:buChar char="•"/>
+            </a:pPr>
+            <a:r>
+              <a:rPr b="0" lang="en-US" sz="1500" spc="-1" strike="noStrike">
+                <a:solidFill>
+                  <a:srgbClr val="000000"/>
+                </a:solidFill>
+                <a:latin typeface="Arial"/>
+                <a:ea typeface="DejaVu Sans"/>
+              </a:rPr>
+              <a:t>Add the reducer function</a:t>
+            </a:r>
+            <a:endParaRPr b="0" lang="en-US" sz="1500" spc="-1" strike="noStrike">
+              <a:latin typeface="Arial"/>
+            </a:endParaRPr>
+          </a:p>
+          <a:p>
+            <a:pPr marL="285840" indent="-280800">
+              <a:lnSpc>
+                <a:spcPct val="120000"/>
+              </a:lnSpc>
+              <a:buClr>
+                <a:srgbClr val="000000"/>
+              </a:buClr>
+              <a:buFont typeface="Arial"/>
+              <a:buChar char="•"/>
+            </a:pPr>
+            <a:r>
+              <a:rPr b="0" lang="en-US" sz="1500" spc="-1" strike="noStrike">
+                <a:solidFill>
+                  <a:srgbClr val="000000"/>
+                </a:solidFill>
+                <a:latin typeface="Arial"/>
+                <a:ea typeface="DejaVu Sans"/>
+              </a:rPr>
+              <a:t>It takes a state (default empty array) and an action (default empty object)</a:t>
+            </a:r>
+            <a:endParaRPr b="0" lang="en-US" sz="1500" spc="-1" strike="noStrike">
+              <a:latin typeface="Arial"/>
+            </a:endParaRPr>
+          </a:p>
+          <a:p>
+            <a:pPr marL="285840" indent="-280800">
+              <a:lnSpc>
+                <a:spcPct val="120000"/>
+              </a:lnSpc>
+              <a:buClr>
+                <a:srgbClr val="000000"/>
+              </a:buClr>
+              <a:buFont typeface="Arial"/>
+              <a:buChar char="•"/>
+            </a:pPr>
+            <a:r>
+              <a:rPr b="0" lang="en-US" sz="1500" spc="-1" strike="noStrike">
+                <a:solidFill>
+                  <a:srgbClr val="000000"/>
+                </a:solidFill>
+                <a:latin typeface="Arial"/>
+                <a:ea typeface="DejaVu Sans"/>
+              </a:rPr>
+              <a:t>It contains a switch for the action.type</a:t>
+            </a:r>
+            <a:endParaRPr b="0" lang="en-US" sz="1500" spc="-1" strike="noStrike">
+              <a:latin typeface="Arial"/>
+            </a:endParaRPr>
+          </a:p>
+          <a:p>
+            <a:pPr marL="285840" indent="-280800">
+              <a:lnSpc>
+                <a:spcPct val="120000"/>
+              </a:lnSpc>
+              <a:buClr>
+                <a:srgbClr val="000000"/>
+              </a:buClr>
+              <a:buFont typeface="Arial"/>
+              <a:buChar char="•"/>
+            </a:pPr>
+            <a:r>
+              <a:rPr b="0" lang="en-US" sz="1500" spc="-1" strike="noStrike">
+                <a:solidFill>
+                  <a:srgbClr val="000000"/>
+                </a:solidFill>
+                <a:latin typeface="Arial"/>
+                <a:ea typeface="DejaVu Sans"/>
+              </a:rPr>
+              <a:t>By default it returns the state</a:t>
+            </a:r>
+            <a:endParaRPr b="0" lang="en-US" sz="1500" spc="-1" strike="noStrike">
+              <a:latin typeface="Arial"/>
+            </a:endParaRPr>
+          </a:p>
+          <a:p>
+            <a:pPr marL="285840" indent="-280800">
+              <a:lnSpc>
+                <a:spcPct val="120000"/>
+              </a:lnSpc>
+              <a:buClr>
+                <a:srgbClr val="000000"/>
+              </a:buClr>
+              <a:buFont typeface="Arial"/>
+              <a:buChar char="•"/>
+            </a:pPr>
+            <a:r>
+              <a:rPr b="0" lang="en-US" sz="1500" spc="-1" strike="noStrike">
+                <a:solidFill>
+                  <a:srgbClr val="000000"/>
+                </a:solidFill>
+                <a:latin typeface="Arial"/>
+                <a:ea typeface="DejaVu Sans"/>
+              </a:rPr>
+              <a:t>Add a case for ‘REQUEST_ACCOMMODATIONS’ and ‘RECEIVE_ACCOMMODATIONS’</a:t>
+            </a:r>
+            <a:endParaRPr b="0" lang="en-US" sz="1500" spc="-1" strike="noStrike">
+              <a:latin typeface="Arial"/>
+            </a:endParaRPr>
+          </a:p>
+          <a:p>
+            <a:pPr marL="285840" indent="-280800">
+              <a:lnSpc>
+                <a:spcPct val="120000"/>
+              </a:lnSpc>
+              <a:buClr>
+                <a:srgbClr val="000000"/>
+              </a:buClr>
+              <a:buFont typeface="Arial"/>
+              <a:buChar char="•"/>
+            </a:pPr>
+            <a:r>
+              <a:rPr b="0" lang="en-US" sz="1500" spc="-1" strike="noStrike">
+                <a:solidFill>
+                  <a:srgbClr val="000000"/>
+                </a:solidFill>
+                <a:latin typeface="Arial"/>
+                <a:ea typeface="DejaVu Sans"/>
+              </a:rPr>
+              <a:t>In the request case, return a copy of the state (Use the es6 array constructuring syntax)</a:t>
+            </a:r>
+            <a:endParaRPr b="0" lang="en-US" sz="1500" spc="-1" strike="noStrike">
+              <a:latin typeface="Arial"/>
+            </a:endParaRPr>
+          </a:p>
+          <a:p>
+            <a:pPr>
+              <a:lnSpc>
+                <a:spcPct val="120000"/>
+              </a:lnSpc>
+            </a:pPr>
+            <a:endParaRPr b="0" lang="en-US" sz="1500" spc="-1" strike="noStrike">
+              <a:latin typeface="Arial"/>
+            </a:endParaRPr>
+          </a:p>
+          <a:p>
+            <a:pPr>
+              <a:lnSpc>
+                <a:spcPct val="120000"/>
+              </a:lnSpc>
+            </a:pPr>
+            <a:endParaRPr b="0" lang="en-US" sz="1500" spc="-1" strike="noStrike">
+              <a:latin typeface="Arial"/>
+            </a:endParaRPr>
+          </a:p>
+        </p:txBody>
+      </p:sp>
+    </p:spTree>
+  </p:cSld>
+  <p:timing>
+    <p:tnLst>
+      <p:par>
+        <p:cTn id="21" dur="indefinite" restart="never" nodeType="tmRoot">
+          <p:childTnLst>
+            <p:seq>
+              <p:cTn id="22" dur="indefinite" nodeType="mainSeq"/>
               <p:prevCondLst>
                 <p:cond delay="0" evt="onPrev">
                   <p:tgtEl>
@@ -5779,7 +6396,7 @@
         <p:spPr>
           <a:xfrm>
             <a:off x="720000" y="288000"/>
-            <a:ext cx="6619320" cy="499320"/>
+            <a:ext cx="6618960" cy="498960"/>
           </a:xfrm>
           <a:prstGeom prst="rect">
             <a:avLst/>
@@ -5828,7 +6445,7 @@
         <p:spPr>
           <a:xfrm>
             <a:off x="4968000" y="5004000"/>
-            <a:ext cx="3235320" cy="103320"/>
+            <a:ext cx="3234960" cy="102960"/>
           </a:xfrm>
           <a:prstGeom prst="rect">
             <a:avLst/>
@@ -5877,7 +6494,7 @@
         <p:spPr>
           <a:xfrm>
             <a:off x="8280000" y="5004000"/>
-            <a:ext cx="139320" cy="103320"/>
+            <a:ext cx="138960" cy="102960"/>
           </a:xfrm>
           <a:prstGeom prst="rect">
             <a:avLst/>
@@ -5901,7 +6518,7 @@
                 <a:spcPct val="100000"/>
               </a:lnSpc>
             </a:pPr>
-            <a:fld id="{0968302F-674C-41A9-AA39-ACAF66E36D78}" type="slidenum">
+            <a:fld id="{49100E24-F214-474B-8B93-38931E95F377}" type="slidenum">
               <a:rPr b="0" lang="en-US" sz="600" spc="-1" strike="noStrike">
                 <a:solidFill>
                   <a:srgbClr val="ffffff"/>
@@ -5926,7 +6543,7 @@
         <p:spPr>
           <a:xfrm>
             <a:off x="602640" y="504720"/>
-            <a:ext cx="6619320" cy="3882600"/>
+            <a:ext cx="6618960" cy="3882240"/>
           </a:xfrm>
           <a:prstGeom prst="rect">
             <a:avLst/>
@@ -5955,7 +6572,7 @@
             </a:endParaRPr>
           </a:p>
           <a:p>
-            <a:pPr marL="285840" indent="-281160">
+            <a:pPr marL="285840" indent="-280800">
               <a:lnSpc>
                 <a:spcPct val="120000"/>
               </a:lnSpc>
@@ -5980,7 +6597,7 @@
             </a:endParaRPr>
           </a:p>
           <a:p>
-            <a:pPr marL="285840" indent="-281160">
+            <a:pPr marL="285840" indent="-280800">
               <a:lnSpc>
                 <a:spcPct val="120000"/>
               </a:lnSpc>
@@ -5998,14 +6615,14 @@
                 <a:latin typeface="Arial"/>
                 <a:ea typeface="DejaVu Sans"/>
               </a:rPr>
-              <a:t>Notes: Export context API from it’s on separate file to prevent cyclic dependencies when using the contextType notation</a:t>
+              <a:t>Notes: Export context API from it’s own separate file to prevent cyclic dependencies when using the contextType notation</a:t>
             </a:r>
             <a:endParaRPr b="0" lang="en-US" sz="1500" spc="-1" strike="noStrike">
               <a:latin typeface="Arial"/>
             </a:endParaRPr>
           </a:p>
           <a:p>
-            <a:pPr marL="285840" indent="-281160">
+            <a:pPr marL="285840" indent="-280800">
               <a:lnSpc>
                 <a:spcPct val="120000"/>
               </a:lnSpc>
@@ -6099,7 +6716,7 @@
         <p:spPr>
           <a:xfrm>
             <a:off x="720000" y="288000"/>
-            <a:ext cx="6619320" cy="499320"/>
+            <a:ext cx="6618960" cy="498960"/>
           </a:xfrm>
           <a:prstGeom prst="rect">
             <a:avLst/>
@@ -6148,7 +6765,7 @@
         <p:spPr>
           <a:xfrm>
             <a:off x="4968000" y="5004000"/>
-            <a:ext cx="3235320" cy="103320"/>
+            <a:ext cx="3234960" cy="102960"/>
           </a:xfrm>
           <a:prstGeom prst="rect">
             <a:avLst/>
@@ -6197,7 +6814,7 @@
         <p:spPr>
           <a:xfrm>
             <a:off x="8280000" y="5004000"/>
-            <a:ext cx="139320" cy="103320"/>
+            <a:ext cx="138960" cy="102960"/>
           </a:xfrm>
           <a:prstGeom prst="rect">
             <a:avLst/>
@@ -6221,7 +6838,7 @@
                 <a:spcPct val="100000"/>
               </a:lnSpc>
             </a:pPr>
-            <a:fld id="{BAF44A01-4B6E-4F47-BFBE-D06F6F09BC9A}" type="slidenum">
+            <a:fld id="{51797A9A-8E30-45B9-926C-F0DC72BEF960}" type="slidenum">
               <a:rPr b="0" lang="en-US" sz="600" spc="-1" strike="noStrike">
                 <a:solidFill>
                   <a:srgbClr val="ffffff"/>
@@ -6246,7 +6863,7 @@
         <p:spPr>
           <a:xfrm>
             <a:off x="602640" y="504720"/>
-            <a:ext cx="6619320" cy="3882600"/>
+            <a:ext cx="6618960" cy="3882240"/>
           </a:xfrm>
           <a:prstGeom prst="rect">
             <a:avLst/>
@@ -6275,7 +6892,7 @@
             </a:endParaRPr>
           </a:p>
           <a:p>
-            <a:pPr marL="285840" indent="-281160">
+            <a:pPr marL="285840" indent="-280800">
               <a:lnSpc>
                 <a:spcPct val="120000"/>
               </a:lnSpc>
@@ -6320,7 +6937,7 @@
             </a:endParaRPr>
           </a:p>
           <a:p>
-            <a:pPr marL="285840" indent="-281160">
+            <a:pPr marL="285840" indent="-280800">
               <a:lnSpc>
                 <a:spcPct val="120000"/>
               </a:lnSpc>
@@ -6385,7 +7002,7 @@
             </a:endParaRPr>
           </a:p>
           <a:p>
-            <a:pPr marL="285840" indent="-281160">
+            <a:pPr marL="285840" indent="-280800">
               <a:lnSpc>
                 <a:spcPct val="120000"/>
               </a:lnSpc>
@@ -6420,7 +7037,7 @@
             </a:endParaRPr>
           </a:p>
           <a:p>
-            <a:pPr marL="285840" indent="-281160">
+            <a:pPr marL="285840" indent="-280800">
               <a:lnSpc>
                 <a:spcPct val="120000"/>
               </a:lnSpc>
@@ -6469,7 +7086,7 @@
         <p:spPr>
           <a:xfrm>
             <a:off x="4210560" y="444240"/>
-            <a:ext cx="3561120" cy="1018080"/>
+            <a:ext cx="3560760" cy="1017720"/>
           </a:xfrm>
           <a:prstGeom prst="rect">
             <a:avLst/>
@@ -6492,7 +7109,7 @@
         <p:spPr>
           <a:xfrm>
             <a:off x="5315400" y="1438560"/>
-            <a:ext cx="3370680" cy="846720"/>
+            <a:ext cx="3370320" cy="846360"/>
           </a:xfrm>
           <a:prstGeom prst="rect">
             <a:avLst/>
@@ -6560,7 +7177,7 @@
         <p:spPr>
           <a:xfrm>
             <a:off x="720000" y="288000"/>
-            <a:ext cx="6619320" cy="499320"/>
+            <a:ext cx="6618960" cy="498960"/>
           </a:xfrm>
           <a:prstGeom prst="rect">
             <a:avLst/>
@@ -6609,7 +7226,7 @@
         <p:spPr>
           <a:xfrm>
             <a:off x="2347200" y="2194560"/>
-            <a:ext cx="2403360" cy="774360"/>
+            <a:ext cx="2403000" cy="774000"/>
           </a:xfrm>
           <a:prstGeom prst="rect">
             <a:avLst/>
@@ -6658,7 +7275,7 @@
         <p:spPr>
           <a:xfrm>
             <a:off x="4968000" y="5004000"/>
-            <a:ext cx="3235320" cy="103320"/>
+            <a:ext cx="3234960" cy="102960"/>
           </a:xfrm>
           <a:prstGeom prst="rect">
             <a:avLst/>
@@ -6707,7 +7324,7 @@
         <p:spPr>
           <a:xfrm>
             <a:off x="8280000" y="5004000"/>
-            <a:ext cx="139320" cy="103320"/>
+            <a:ext cx="138960" cy="102960"/>
           </a:xfrm>
           <a:prstGeom prst="rect">
             <a:avLst/>
@@ -6731,7 +7348,7 @@
                 <a:spcPct val="100000"/>
               </a:lnSpc>
             </a:pPr>
-            <a:fld id="{B0A78997-B153-4DDD-86E3-1BC590C4DE85}" type="slidenum">
+            <a:fld id="{41488A11-92C6-47CE-AE17-FDA375E1CB60}" type="slidenum">
               <a:rPr b="0" lang="en-US" sz="600" spc="-1" strike="noStrike">
                 <a:solidFill>
                   <a:srgbClr val="ffffff"/>
@@ -6760,7 +7377,7 @@
         <p:spPr>
           <a:xfrm>
             <a:off x="6840000" y="810000"/>
-            <a:ext cx="2299320" cy="3505320"/>
+            <a:ext cx="2298960" cy="3504960"/>
           </a:xfrm>
           <a:prstGeom prst="rect">
             <a:avLst/>
@@ -6831,7 +7448,7 @@
         <p:spPr>
           <a:xfrm>
             <a:off x="720000" y="288000"/>
-            <a:ext cx="6619320" cy="499320"/>
+            <a:ext cx="6618960" cy="498960"/>
           </a:xfrm>
           <a:prstGeom prst="rect">
             <a:avLst/>
@@ -6880,7 +7497,7 @@
         <p:spPr>
           <a:xfrm>
             <a:off x="4968000" y="5004000"/>
-            <a:ext cx="3235320" cy="103320"/>
+            <a:ext cx="3234960" cy="102960"/>
           </a:xfrm>
           <a:prstGeom prst="rect">
             <a:avLst/>
@@ -6929,7 +7546,7 @@
         <p:spPr>
           <a:xfrm>
             <a:off x="8280000" y="5004000"/>
-            <a:ext cx="139320" cy="103320"/>
+            <a:ext cx="138960" cy="102960"/>
           </a:xfrm>
           <a:prstGeom prst="rect">
             <a:avLst/>
@@ -6953,7 +7570,7 @@
                 <a:spcPct val="100000"/>
               </a:lnSpc>
             </a:pPr>
-            <a:fld id="{7A2BA1E1-4079-4C94-8B13-F2CC7F1F55CE}" type="slidenum">
+            <a:fld id="{F9D8A7DE-CD4E-40A7-B9CC-3A88B6D33174}" type="slidenum">
               <a:rPr b="0" lang="en-US" sz="600" spc="-1" strike="noStrike">
                 <a:solidFill>
                   <a:srgbClr val="ffffff"/>
@@ -6978,7 +7595,7 @@
         <p:spPr>
           <a:xfrm>
             <a:off x="876240" y="548640"/>
-            <a:ext cx="6619320" cy="3882600"/>
+            <a:ext cx="6618960" cy="3882240"/>
           </a:xfrm>
           <a:prstGeom prst="rect">
             <a:avLst/>
@@ -7007,7 +7624,7 @@
             </a:endParaRPr>
           </a:p>
           <a:p>
-            <a:pPr marL="285840" indent="-281160">
+            <a:pPr marL="285840" indent="-280800">
               <a:lnSpc>
                 <a:spcPct val="120000"/>
               </a:lnSpc>
@@ -7054,7 +7671,7 @@
             </a:endParaRPr>
           </a:p>
           <a:p>
-            <a:pPr marL="285840" indent="-281160">
+            <a:pPr marL="285840" indent="-280800">
               <a:lnSpc>
                 <a:spcPct val="120000"/>
               </a:lnSpc>
@@ -7079,7 +7696,7 @@
             </a:endParaRPr>
           </a:p>
           <a:p>
-            <a:pPr lvl="1" marL="432000" indent="-214200">
+            <a:pPr lvl="1" marL="432000" indent="-213840">
               <a:lnSpc>
                 <a:spcPct val="120000"/>
               </a:lnSpc>
@@ -7105,7 +7722,7 @@
             </a:endParaRPr>
           </a:p>
           <a:p>
-            <a:pPr lvl="1" marL="432000" indent="-214200">
+            <a:pPr lvl="1" marL="432000" indent="-213840">
               <a:lnSpc>
                 <a:spcPct val="120000"/>
               </a:lnSpc>
@@ -7131,7 +7748,7 @@
             </a:endParaRPr>
           </a:p>
           <a:p>
-            <a:pPr lvl="1" marL="432000" indent="-214200">
+            <a:pPr lvl="1" marL="432000" indent="-213840">
               <a:lnSpc>
                 <a:spcPct val="120000"/>
               </a:lnSpc>
@@ -7157,7 +7774,7 @@
             </a:endParaRPr>
           </a:p>
           <a:p>
-            <a:pPr lvl="1" marL="432000" indent="-214200">
+            <a:pPr lvl="1" marL="432000" indent="-213840">
               <a:lnSpc>
                 <a:spcPct val="120000"/>
               </a:lnSpc>
@@ -7183,7 +7800,7 @@
             </a:endParaRPr>
           </a:p>
           <a:p>
-            <a:pPr marL="285840" indent="-281160">
+            <a:pPr marL="285840" indent="-280800">
               <a:lnSpc>
                 <a:spcPct val="120000"/>
               </a:lnSpc>
@@ -7218,7 +7835,7 @@
             </a:endParaRPr>
           </a:p>
           <a:p>
-            <a:pPr marL="285840" indent="-281160">
+            <a:pPr marL="285840" indent="-280800">
               <a:lnSpc>
                 <a:spcPct val="120000"/>
               </a:lnSpc>
@@ -7243,7 +7860,7 @@
             </a:endParaRPr>
           </a:p>
           <a:p>
-            <a:pPr marL="285840" indent="-281160">
+            <a:pPr marL="285840" indent="-280800">
               <a:lnSpc>
                 <a:spcPct val="120000"/>
               </a:lnSpc>
@@ -7357,7 +7974,7 @@
         <p:spPr>
           <a:xfrm>
             <a:off x="720000" y="288000"/>
-            <a:ext cx="6619320" cy="499320"/>
+            <a:ext cx="6618960" cy="498960"/>
           </a:xfrm>
           <a:prstGeom prst="rect">
             <a:avLst/>
@@ -7406,7 +8023,7 @@
         <p:spPr>
           <a:xfrm>
             <a:off x="4968000" y="5004000"/>
-            <a:ext cx="3235320" cy="103320"/>
+            <a:ext cx="3234960" cy="102960"/>
           </a:xfrm>
           <a:prstGeom prst="rect">
             <a:avLst/>
@@ -7455,7 +8072,7 @@
         <p:spPr>
           <a:xfrm>
             <a:off x="8280000" y="5004000"/>
-            <a:ext cx="139320" cy="103320"/>
+            <a:ext cx="138960" cy="102960"/>
           </a:xfrm>
           <a:prstGeom prst="rect">
             <a:avLst/>
@@ -7479,7 +8096,7 @@
                 <a:spcPct val="100000"/>
               </a:lnSpc>
             </a:pPr>
-            <a:fld id="{82AF1E1E-B297-4F41-8E8E-C8F776B218D2}" type="slidenum">
+            <a:fld id="{DB32D561-D41E-43A2-9F1E-111F623FC034}" type="slidenum">
               <a:rPr b="0" lang="en-US" sz="600" spc="-1" strike="noStrike">
                 <a:solidFill>
                   <a:srgbClr val="ffffff"/>
@@ -7504,7 +8121,7 @@
         <p:spPr>
           <a:xfrm>
             <a:off x="640080" y="822960"/>
-            <a:ext cx="6619320" cy="3882600"/>
+            <a:ext cx="6618960" cy="3882240"/>
           </a:xfrm>
           <a:prstGeom prst="rect">
             <a:avLst/>
@@ -7533,7 +8150,7 @@
             </a:endParaRPr>
           </a:p>
           <a:p>
-            <a:pPr marL="285840" indent="-281160">
+            <a:pPr marL="285840" indent="-280800">
               <a:lnSpc>
                 <a:spcPct val="120000"/>
               </a:lnSpc>
@@ -7558,7 +8175,7 @@
             </a:endParaRPr>
           </a:p>
           <a:p>
-            <a:pPr marL="285840" indent="-281160">
+            <a:pPr marL="285840" indent="-280800">
               <a:lnSpc>
                 <a:spcPct val="120000"/>
               </a:lnSpc>
@@ -7583,7 +8200,7 @@
             </a:endParaRPr>
           </a:p>
           <a:p>
-            <a:pPr marL="285840" indent="-281160">
+            <a:pPr marL="285840" indent="-280800">
               <a:lnSpc>
                 <a:spcPct val="120000"/>
               </a:lnSpc>
@@ -7608,7 +8225,7 @@
             </a:endParaRPr>
           </a:p>
           <a:p>
-            <a:pPr marL="285840" indent="-281160">
+            <a:pPr marL="285840" indent="-280800">
               <a:lnSpc>
                 <a:spcPct val="120000"/>
               </a:lnSpc>
@@ -7633,7 +8250,7 @@
             </a:endParaRPr>
           </a:p>
           <a:p>
-            <a:pPr marL="285840" indent="-281160">
+            <a:pPr marL="285840" indent="-280800">
               <a:lnSpc>
                 <a:spcPct val="120000"/>
               </a:lnSpc>
@@ -7658,7 +8275,7 @@
             </a:endParaRPr>
           </a:p>
           <a:p>
-            <a:pPr marL="285840" indent="-281160">
+            <a:pPr marL="285840" indent="-280800">
               <a:lnSpc>
                 <a:spcPct val="120000"/>
               </a:lnSpc>
@@ -7683,7 +8300,7 @@
             </a:endParaRPr>
           </a:p>
           <a:p>
-            <a:pPr marL="285840" indent="-281160">
+            <a:pPr marL="285840" indent="-280800">
               <a:lnSpc>
                 <a:spcPct val="120000"/>
               </a:lnSpc>
@@ -7708,22 +8325,17 @@
             </a:endParaRPr>
           </a:p>
           <a:p>
-            <a:pPr marL="285840" indent="-281160">
+            <a:pPr>
               <a:lnSpc>
                 <a:spcPct val="120000"/>
               </a:lnSpc>
-              <a:buClr>
-                <a:srgbClr val="000000"/>
-              </a:buClr>
-              <a:buFont typeface="Arial"/>
-              <a:buChar char="•"/>
             </a:pPr>
             <a:endParaRPr b="0" lang="en-US" sz="1500" spc="-1" strike="noStrike">
               <a:latin typeface="Arial"/>
             </a:endParaRPr>
           </a:p>
           <a:p>
-            <a:pPr marL="285840" indent="-281160">
+            <a:pPr marL="285840" indent="-280800">
               <a:lnSpc>
                 <a:spcPct val="120000"/>
               </a:lnSpc>
@@ -7817,7 +8429,7 @@
         <p:spPr>
           <a:xfrm>
             <a:off x="720000" y="288000"/>
-            <a:ext cx="6619320" cy="499320"/>
+            <a:ext cx="6618960" cy="498960"/>
           </a:xfrm>
           <a:prstGeom prst="rect">
             <a:avLst/>
@@ -7866,7 +8478,7 @@
         <p:spPr>
           <a:xfrm>
             <a:off x="4968000" y="5004000"/>
-            <a:ext cx="3235320" cy="103320"/>
+            <a:ext cx="3234960" cy="102960"/>
           </a:xfrm>
           <a:prstGeom prst="rect">
             <a:avLst/>
@@ -7915,7 +8527,7 @@
         <p:spPr>
           <a:xfrm>
             <a:off x="8280000" y="5004000"/>
-            <a:ext cx="139320" cy="103320"/>
+            <a:ext cx="138960" cy="102960"/>
           </a:xfrm>
           <a:prstGeom prst="rect">
             <a:avLst/>
@@ -7939,7 +8551,7 @@
                 <a:spcPct val="100000"/>
               </a:lnSpc>
             </a:pPr>
-            <a:fld id="{22355799-6552-4302-8EC0-7304EA46C2CB}" type="slidenum">
+            <a:fld id="{73C8BE61-D416-40F3-A557-6BD3CF867E03}" type="slidenum">
               <a:rPr b="0" lang="en-US" sz="600" spc="-1" strike="noStrike">
                 <a:solidFill>
                   <a:srgbClr val="ffffff"/>
@@ -7964,7 +8576,7 @@
         <p:spPr>
           <a:xfrm>
             <a:off x="640080" y="822960"/>
-            <a:ext cx="6619320" cy="3882600"/>
+            <a:ext cx="6618960" cy="3882240"/>
           </a:xfrm>
           <a:prstGeom prst="rect">
             <a:avLst/>
@@ -7983,10 +8595,15 @@
         <p:txBody>
           <a:bodyPr lIns="0" rIns="0" tIns="0" bIns="0"/>
           <a:p>
-            <a:pPr>
+            <a:pPr marL="216000" indent="-216000">
               <a:lnSpc>
                 <a:spcPct val="120000"/>
               </a:lnSpc>
+              <a:buClr>
+                <a:srgbClr val="000000"/>
+              </a:buClr>
+              <a:buFont typeface="Wingdings" charset="2"/>
+              <a:buChar char=""/>
             </a:pPr>
             <a:r>
               <a:rPr b="0" lang="en-US" sz="1400" spc="-1" strike="noStrike">
@@ -8003,7 +8620,207 @@
             </a:endParaRPr>
           </a:p>
           <a:p>
-            <a:pPr marL="285840" indent="-281160">
+            <a:pPr marL="216000" indent="-216000">
+              <a:lnSpc>
+                <a:spcPct val="120000"/>
+              </a:lnSpc>
+              <a:buClr>
+                <a:srgbClr val="000000"/>
+              </a:buClr>
+              <a:buFont typeface="Wingdings" charset="2"/>
+              <a:buChar char=""/>
+            </a:pPr>
+            <a:r>
+              <a:rPr b="0" lang="en-US" sz="1400" spc="-1" strike="noStrike">
+                <a:solidFill>
+                  <a:srgbClr val="000000"/>
+                </a:solidFill>
+                <a:latin typeface="Arial"/>
+                <a:ea typeface="DejaVu Sans"/>
+              </a:rPr>
+              <a:t>In the render method, return a MUI &lt;Dialog /&gt;. Pass it the property open from your LoginDialog props.</a:t>
+            </a:r>
+            <a:endParaRPr b="0" lang="en-US" sz="1400" spc="-1" strike="noStrike">
+              <a:latin typeface="Arial"/>
+            </a:endParaRPr>
+          </a:p>
+          <a:p>
+            <a:pPr marL="216000" indent="-216000">
+              <a:lnSpc>
+                <a:spcPct val="120000"/>
+              </a:lnSpc>
+              <a:buClr>
+                <a:srgbClr val="000000"/>
+              </a:buClr>
+              <a:buFont typeface="Wingdings" charset="2"/>
+              <a:buChar char=""/>
+            </a:pPr>
+            <a:r>
+              <a:rPr b="0" lang="en-US" sz="1400" spc="-1" strike="noStrike">
+                <a:solidFill>
+                  <a:srgbClr val="000000"/>
+                </a:solidFill>
+                <a:latin typeface="Arial"/>
+                <a:ea typeface="DejaVu Sans"/>
+              </a:rPr>
+              <a:t>Add two Inputs for email and password as well as a Button from MUI</a:t>
+            </a:r>
+            <a:endParaRPr b="0" lang="en-US" sz="1400" spc="-1" strike="noStrike">
+              <a:latin typeface="Arial"/>
+            </a:endParaRPr>
+          </a:p>
+          <a:p>
+            <a:pPr marL="216000" indent="-216000">
+              <a:lnSpc>
+                <a:spcPct val="120000"/>
+              </a:lnSpc>
+              <a:buClr>
+                <a:srgbClr val="000000"/>
+              </a:buClr>
+              <a:buFont typeface="Wingdings" charset="2"/>
+              <a:buChar char=""/>
+            </a:pPr>
+            <a:r>
+              <a:rPr b="0" lang="en-US" sz="1400" spc="-1" strike="noStrike">
+                <a:solidFill>
+                  <a:srgbClr val="000000"/>
+                </a:solidFill>
+                <a:latin typeface="Arial"/>
+                <a:ea typeface="DejaVu Sans"/>
+              </a:rPr>
+              <a:t>Initialize two refs in the constructor and add them to the Inputs using callbacks in their inputRef property</a:t>
+            </a:r>
+            <a:endParaRPr b="0" lang="en-US" sz="1400" spc="-1" strike="noStrike">
+              <a:latin typeface="Arial"/>
+            </a:endParaRPr>
+          </a:p>
+          <a:p>
+            <a:pPr marL="216000" indent="-216000">
+              <a:lnSpc>
+                <a:spcPct val="120000"/>
+              </a:lnSpc>
+              <a:buClr>
+                <a:srgbClr val="000000"/>
+              </a:buClr>
+              <a:buFont typeface="Wingdings" charset="2"/>
+              <a:buChar char=""/>
+            </a:pPr>
+            <a:r>
+              <a:rPr b="0" lang="en-US" sz="1400" spc="-1" strike="noStrike">
+                <a:solidFill>
+                  <a:srgbClr val="000000"/>
+                </a:solidFill>
+                <a:latin typeface="Arial"/>
+                <a:ea typeface="DejaVu Sans"/>
+              </a:rPr>
+              <a:t>Create a handleLogin function and add it to the onClick of the button.</a:t>
+            </a:r>
+            <a:endParaRPr b="0" lang="en-US" sz="1400" spc="-1" strike="noStrike">
+              <a:latin typeface="Arial"/>
+            </a:endParaRPr>
+          </a:p>
+          <a:p>
+            <a:pPr marL="216000" indent="-216000">
+              <a:lnSpc>
+                <a:spcPct val="120000"/>
+              </a:lnSpc>
+              <a:buClr>
+                <a:srgbClr val="000000"/>
+              </a:buClr>
+              <a:buFont typeface="Wingdings" charset="2"/>
+              <a:buChar char=""/>
+            </a:pPr>
+            <a:r>
+              <a:rPr b="0" lang="en-US" sz="1400" spc="-1" strike="noStrike">
+                <a:solidFill>
+                  <a:srgbClr val="000000"/>
+                </a:solidFill>
+                <a:latin typeface="Arial"/>
+                <a:ea typeface="DejaVu Sans"/>
+              </a:rPr>
+              <a:t>Below your class, add `LoginDialog.contextType = UserContextAdd the login logic from your context to your handleLogin function.</a:t>
+            </a:r>
+            <a:endParaRPr b="0" lang="en-US" sz="1400" spc="-1" strike="noStrike">
+              <a:latin typeface="Arial"/>
+            </a:endParaRPr>
+          </a:p>
+          <a:p>
+            <a:pPr marL="216000" indent="-216000">
+              <a:lnSpc>
+                <a:spcPct val="120000"/>
+              </a:lnSpc>
+              <a:buClr>
+                <a:srgbClr val="000000"/>
+              </a:buClr>
+              <a:buFont typeface="Wingdings" charset="2"/>
+              <a:buChar char=""/>
+            </a:pPr>
+            <a:r>
+              <a:rPr b="0" lang="en-US" sz="1400" spc="-1" strike="noStrike">
+                <a:solidFill>
+                  <a:srgbClr val="000000"/>
+                </a:solidFill>
+                <a:latin typeface="Arial"/>
+                <a:ea typeface="DejaVu Sans"/>
+              </a:rPr>
+              <a:t>Change the &lt;Appbar /&gt; render to contain the &lt;LoginDialog /&gt;. Add the necessary functions and state members to manage the `open` prop of the LoginDialog. Pass LoginDialog the necessary function in handleClose</a:t>
+            </a:r>
+            <a:endParaRPr b="0" lang="en-US" sz="1400" spc="-1" strike="noStrike">
+              <a:latin typeface="Arial"/>
+            </a:endParaRPr>
+          </a:p>
+          <a:p>
+            <a:pPr marL="216000" indent="-216000">
+              <a:lnSpc>
+                <a:spcPct val="120000"/>
+              </a:lnSpc>
+              <a:buClr>
+                <a:srgbClr val="000000"/>
+              </a:buClr>
+              <a:buFont typeface="Wingdings" charset="2"/>
+              <a:buChar char=""/>
+            </a:pPr>
+            <a:r>
+              <a:rPr b="0" lang="en-US" sz="1400" spc="-1" strike="noStrike">
+                <a:solidFill>
+                  <a:srgbClr val="000000"/>
+                </a:solidFill>
+                <a:latin typeface="Arial"/>
+                <a:ea typeface="DejaVu Sans"/>
+              </a:rPr>
+              <a:t>BONUS: make the ‘favorite’ on the accommodations work again. The favorite accommodations list can be found on the user object.</a:t>
+            </a:r>
+            <a:endParaRPr b="0" lang="en-US" sz="1400" spc="-1" strike="noStrike">
+              <a:latin typeface="Arial"/>
+            </a:endParaRPr>
+          </a:p>
+          <a:p>
+            <a:pPr marL="216000" indent="-216000">
+              <a:lnSpc>
+                <a:spcPct val="120000"/>
+              </a:lnSpc>
+              <a:buClr>
+                <a:srgbClr val="000000"/>
+              </a:buClr>
+              <a:buFont typeface="Wingdings" charset="2"/>
+              <a:buChar char=""/>
+            </a:pPr>
+            <a:r>
+              <a:rPr b="0" lang="en-US" sz="1400" spc="-1" strike="noStrike">
+                <a:solidFill>
+                  <a:srgbClr val="000000"/>
+                </a:solidFill>
+                <a:latin typeface="Arial"/>
+                <a:ea typeface="DejaVu Sans"/>
+              </a:rPr>
+              <a:t>BONUS: add validation to the ‘email’ field of the login dialog</a:t>
+            </a:r>
+            <a:endParaRPr b="0" lang="en-US" sz="1400" spc="-1" strike="noStrike">
+              <a:latin typeface="Arial"/>
+            </a:endParaRPr>
+          </a:p>
+          <a:p>
+            <a:pPr marL="285840" indent="-280800">
               <a:lnSpc>
                 <a:spcPct val="120000"/>
               </a:lnSpc>
@@ -8021,208 +8838,8 @@
                 <a:latin typeface="Arial"/>
                 <a:ea typeface="DejaVu Sans"/>
               </a:rPr>
-              <a:t>In the render method, return a MUI &lt;Dialog /&gt;. Pass it the property open from your LoginDialog props.</a:t>
-            </a:r>
-            <a:endParaRPr b="0" lang="en-US" sz="1400" spc="-1" strike="noStrike">
-              <a:latin typeface="Arial"/>
-            </a:endParaRPr>
-          </a:p>
-          <a:p>
-            <a:pPr marL="285840" indent="-281160">
-              <a:lnSpc>
-                <a:spcPct val="120000"/>
-              </a:lnSpc>
-              <a:buClr>
-                <a:srgbClr val="000000"/>
-              </a:buClr>
-              <a:buFont typeface="Arial"/>
-              <a:buChar char="•"/>
-            </a:pPr>
-            <a:r>
-              <a:rPr b="0" lang="en-US" sz="1400" spc="-1" strike="noStrike">
-                <a:solidFill>
-                  <a:srgbClr val="000000"/>
-                </a:solidFill>
-                <a:latin typeface="Arial"/>
-                <a:ea typeface="DejaVu Sans"/>
-              </a:rPr>
-              <a:t>Add two Inputs for email and password as well as a Button from MUI</a:t>
-            </a:r>
-            <a:endParaRPr b="0" lang="en-US" sz="1400" spc="-1" strike="noStrike">
-              <a:latin typeface="Arial"/>
-            </a:endParaRPr>
-          </a:p>
-          <a:p>
-            <a:pPr marL="285840" indent="-281160">
-              <a:lnSpc>
-                <a:spcPct val="120000"/>
-              </a:lnSpc>
-              <a:buClr>
-                <a:srgbClr val="000000"/>
-              </a:buClr>
-              <a:buFont typeface="Arial"/>
-              <a:buChar char="•"/>
-            </a:pPr>
-            <a:r>
-              <a:rPr b="0" lang="en-US" sz="1400" spc="-1" strike="noStrike">
-                <a:solidFill>
-                  <a:srgbClr val="000000"/>
-                </a:solidFill>
-                <a:latin typeface="Arial"/>
-                <a:ea typeface="DejaVu Sans"/>
-              </a:rPr>
-              <a:t>Initialize two refs in the constructor and add them to the Inputs using callbacks in their inputRef property</a:t>
-            </a:r>
-            <a:endParaRPr b="0" lang="en-US" sz="1400" spc="-1" strike="noStrike">
-              <a:latin typeface="Arial"/>
-            </a:endParaRPr>
-          </a:p>
-          <a:p>
-            <a:pPr marL="285840" indent="-281160">
-              <a:lnSpc>
-                <a:spcPct val="120000"/>
-              </a:lnSpc>
-              <a:buClr>
-                <a:srgbClr val="000000"/>
-              </a:buClr>
-              <a:buFont typeface="Arial"/>
-              <a:buChar char="•"/>
-            </a:pPr>
-            <a:r>
-              <a:rPr b="0" lang="en-US" sz="1400" spc="-1" strike="noStrike">
-                <a:solidFill>
-                  <a:srgbClr val="000000"/>
-                </a:solidFill>
-                <a:latin typeface="Arial"/>
-                <a:ea typeface="DejaVu Sans"/>
-              </a:rPr>
-              <a:t>Create a handleLogin function and add it to the onClick of the button.</a:t>
-            </a:r>
-            <a:endParaRPr b="0" lang="en-US" sz="1400" spc="-1" strike="noStrike">
-              <a:latin typeface="Arial"/>
-            </a:endParaRPr>
-          </a:p>
-          <a:p>
-            <a:pPr marL="285840" indent="-281160">
-              <a:lnSpc>
-                <a:spcPct val="120000"/>
-              </a:lnSpc>
-              <a:buClr>
-                <a:srgbClr val="000000"/>
-              </a:buClr>
-              <a:buFont typeface="Arial"/>
-              <a:buChar char="•"/>
-            </a:pPr>
-            <a:r>
-              <a:rPr b="0" lang="en-US" sz="1400" spc="-1" strike="noStrike">
-                <a:solidFill>
-                  <a:srgbClr val="000000"/>
-                </a:solidFill>
-                <a:latin typeface="Arial"/>
-                <a:ea typeface="DejaVu Sans"/>
-              </a:rPr>
-              <a:t>Below your class, add `LoginDialog.contextType = UserContext`</a:t>
-            </a:r>
-            <a:endParaRPr b="0" lang="en-US" sz="1400" spc="-1" strike="noStrike">
-              <a:latin typeface="Arial"/>
-            </a:endParaRPr>
-          </a:p>
-          <a:p>
-            <a:pPr marL="285840" indent="-281160">
-              <a:lnSpc>
-                <a:spcPct val="120000"/>
-              </a:lnSpc>
-              <a:buClr>
-                <a:srgbClr val="000000"/>
-              </a:buClr>
-              <a:buFont typeface="Arial"/>
-              <a:buChar char="•"/>
-            </a:pPr>
-            <a:r>
-              <a:rPr b="0" lang="en-US" sz="1400" spc="-1" strike="noStrike">
-                <a:solidFill>
-                  <a:srgbClr val="000000"/>
-                </a:solidFill>
-                <a:latin typeface="Arial"/>
-                <a:ea typeface="DejaVu Sans"/>
-              </a:rPr>
-              <a:t>Add the login logic from your context to your handleLogin function.</a:t>
-            </a:r>
-            <a:endParaRPr b="0" lang="en-US" sz="1400" spc="-1" strike="noStrike">
-              <a:latin typeface="Arial"/>
-            </a:endParaRPr>
-          </a:p>
-          <a:p>
-            <a:pPr marL="285840" indent="-281160">
-              <a:lnSpc>
-                <a:spcPct val="120000"/>
-              </a:lnSpc>
-              <a:buClr>
-                <a:srgbClr val="000000"/>
-              </a:buClr>
-              <a:buFont typeface="Arial"/>
-              <a:buChar char="•"/>
-            </a:pPr>
-            <a:r>
-              <a:rPr b="0" lang="en-US" sz="1400" spc="-1" strike="noStrike">
-                <a:solidFill>
-                  <a:srgbClr val="000000"/>
-                </a:solidFill>
-                <a:latin typeface="Arial"/>
-                <a:ea typeface="DejaVu Sans"/>
-              </a:rPr>
-              <a:t>Change the &lt;Appbar /&gt; render to contain the &lt;LoginDialog /&gt;. Add the necessary functions and state members to manage the `open` prop of the LoginDialog. Pass LoginDialog the necessary function in handleClose</a:t>
-            </a:r>
-            <a:endParaRPr b="0" lang="en-US" sz="1400" spc="-1" strike="noStrike">
-              <a:latin typeface="Arial"/>
-            </a:endParaRPr>
-          </a:p>
-          <a:p>
-            <a:pPr>
-              <a:lnSpc>
-                <a:spcPct val="120000"/>
-              </a:lnSpc>
-            </a:pPr>
-            <a:r>
-              <a:rPr b="0" lang="en-US" sz="1400" spc="-1" strike="noStrike">
-                <a:solidFill>
-                  <a:srgbClr val="000000"/>
-                </a:solidFill>
-                <a:latin typeface="Arial"/>
-                <a:ea typeface="DejaVu Sans"/>
-              </a:rPr>
-              <a:t>BONUS: make the ‘favorite’ on the accommodations work again. The favorite accommodations list can be found on the user object.</a:t>
-            </a:r>
-            <a:endParaRPr b="0" lang="en-US" sz="1400" spc="-1" strike="noStrike">
-              <a:latin typeface="Arial"/>
-            </a:endParaRPr>
-          </a:p>
-          <a:p>
-            <a:pPr>
-              <a:lnSpc>
-                <a:spcPct val="120000"/>
-              </a:lnSpc>
-            </a:pPr>
-            <a:r>
-              <a:rPr b="0" lang="en-US" sz="1400" spc="-1" strike="noStrike">
-                <a:solidFill>
-                  <a:srgbClr val="000000"/>
-                </a:solidFill>
-                <a:latin typeface="Arial"/>
-                <a:ea typeface="DejaVu Sans"/>
-              </a:rPr>
-              <a:t>BONUS: add validation to the ‘email’ field of the login dialog</a:t>
-            </a:r>
-            <a:endParaRPr b="0" lang="en-US" sz="1400" spc="-1" strike="noStrike">
-              <a:latin typeface="Arial"/>
-            </a:endParaRPr>
-          </a:p>
-          <a:p>
-            <a:pPr>
-              <a:lnSpc>
-                <a:spcPct val="120000"/>
-              </a:lnSpc>
-            </a:pPr>
+              <a:t> </a:t>
+            </a:r>
             <a:endParaRPr b="0" lang="en-US" sz="1400" spc="-1" strike="noStrike">
               <a:latin typeface="Arial"/>
             </a:endParaRPr>
@@ -8287,7 +8904,7 @@
         <p:spPr>
           <a:xfrm>
             <a:off x="720000" y="288000"/>
-            <a:ext cx="6619320" cy="499320"/>
+            <a:ext cx="6618960" cy="498960"/>
           </a:xfrm>
           <a:prstGeom prst="rect">
             <a:avLst/>
@@ -8336,7 +8953,7 @@
         <p:spPr>
           <a:xfrm>
             <a:off x="4968000" y="5004000"/>
-            <a:ext cx="3235320" cy="103320"/>
+            <a:ext cx="3234960" cy="102960"/>
           </a:xfrm>
           <a:prstGeom prst="rect">
             <a:avLst/>
@@ -8385,7 +9002,7 @@
         <p:spPr>
           <a:xfrm>
             <a:off x="8280000" y="5004000"/>
-            <a:ext cx="139320" cy="103320"/>
+            <a:ext cx="138960" cy="102960"/>
           </a:xfrm>
           <a:prstGeom prst="rect">
             <a:avLst/>
@@ -8409,7 +9026,7 @@
                 <a:spcPct val="100000"/>
               </a:lnSpc>
             </a:pPr>
-            <a:fld id="{61601DD3-213D-4C6A-956F-953349B00542}" type="slidenum">
+            <a:fld id="{B699D85B-FA03-42DE-B7DF-B4B1B2B01BF6}" type="slidenum">
               <a:rPr b="0" lang="en-US" sz="600" spc="-1" strike="noStrike">
                 <a:solidFill>
                   <a:srgbClr val="ffffff"/>
@@ -8434,7 +9051,7 @@
         <p:spPr>
           <a:xfrm>
             <a:off x="640080" y="822960"/>
-            <a:ext cx="6619320" cy="3882600"/>
+            <a:ext cx="6618960" cy="3882240"/>
           </a:xfrm>
           <a:prstGeom prst="rect">
             <a:avLst/>
@@ -8463,7 +9080,7 @@
             </a:endParaRPr>
           </a:p>
           <a:p>
-            <a:pPr marL="285840" indent="-281160">
+            <a:pPr marL="285840" indent="-280800">
               <a:lnSpc>
                 <a:spcPct val="120000"/>
               </a:lnSpc>
@@ -8488,7 +9105,7 @@
             </a:endParaRPr>
           </a:p>
           <a:p>
-            <a:pPr marL="285840" indent="-281160">
+            <a:pPr marL="285840" indent="-280800">
               <a:lnSpc>
                 <a:spcPct val="120000"/>
               </a:lnSpc>
@@ -8513,7 +9130,7 @@
             </a:endParaRPr>
           </a:p>
           <a:p>
-            <a:pPr marL="285840" indent="-281160">
+            <a:pPr marL="285840" indent="-280800">
               <a:lnSpc>
                 <a:spcPct val="120000"/>
               </a:lnSpc>
@@ -8538,7 +9155,7 @@
             </a:endParaRPr>
           </a:p>
           <a:p>
-            <a:pPr marL="285840" indent="-281160">
+            <a:pPr marL="285840" indent="-280800">
               <a:lnSpc>
                 <a:spcPct val="120000"/>
               </a:lnSpc>
@@ -8632,7 +9249,7 @@
         <p:spPr>
           <a:xfrm>
             <a:off x="720000" y="288000"/>
-            <a:ext cx="6619320" cy="499320"/>
+            <a:ext cx="6618960" cy="498960"/>
           </a:xfrm>
           <a:prstGeom prst="rect">
             <a:avLst/>
@@ -8681,7 +9298,7 @@
         <p:spPr>
           <a:xfrm>
             <a:off x="4968000" y="5004000"/>
-            <a:ext cx="3235320" cy="103320"/>
+            <a:ext cx="3234960" cy="102960"/>
           </a:xfrm>
           <a:prstGeom prst="rect">
             <a:avLst/>
@@ -8730,7 +9347,7 @@
         <p:spPr>
           <a:xfrm>
             <a:off x="8280000" y="5004000"/>
-            <a:ext cx="139320" cy="103320"/>
+            <a:ext cx="138960" cy="102960"/>
           </a:xfrm>
           <a:prstGeom prst="rect">
             <a:avLst/>
@@ -8754,7 +9371,7 @@
                 <a:spcPct val="100000"/>
               </a:lnSpc>
             </a:pPr>
-            <a:fld id="{D98F0FC6-32F8-4FF2-9A47-1E67E1D36548}" type="slidenum">
+            <a:fld id="{B38E3C3F-86C8-4A44-8CE8-02D83E24FEF4}" type="slidenum">
               <a:rPr b="0" lang="en-US" sz="600" spc="-1" strike="noStrike">
                 <a:solidFill>
                   <a:srgbClr val="ffffff"/>
@@ -8779,7 +9396,7 @@
         <p:spPr>
           <a:xfrm>
             <a:off x="640080" y="822960"/>
-            <a:ext cx="6619320" cy="3882600"/>
+            <a:ext cx="6618960" cy="3882240"/>
           </a:xfrm>
           <a:prstGeom prst="rect">
             <a:avLst/>
@@ -8808,7 +9425,7 @@
             </a:endParaRPr>
           </a:p>
           <a:p>
-            <a:pPr marL="285840" indent="-281160">
+            <a:pPr marL="285840" indent="-280800">
               <a:lnSpc>
                 <a:spcPct val="120000"/>
               </a:lnSpc>
@@ -8833,112 +9450,77 @@
             </a:endParaRPr>
           </a:p>
           <a:p>
-            <a:pPr marL="285840" indent="-281160">
+            <a:pPr>
               <a:lnSpc>
                 <a:spcPct val="120000"/>
               </a:lnSpc>
-              <a:buClr>
-                <a:srgbClr val="000000"/>
-              </a:buClr>
-              <a:buFont typeface="Arial"/>
-              <a:buChar char="•"/>
             </a:pPr>
             <a:endParaRPr b="0" lang="en-US" sz="1500" spc="-1" strike="noStrike">
               <a:latin typeface="Arial"/>
             </a:endParaRPr>
           </a:p>
           <a:p>
-            <a:pPr marL="285840" indent="-281160">
+            <a:pPr>
               <a:lnSpc>
                 <a:spcPct val="120000"/>
               </a:lnSpc>
-              <a:buClr>
-                <a:srgbClr val="000000"/>
-              </a:buClr>
-              <a:buFont typeface="Arial"/>
-              <a:buChar char="•"/>
             </a:pPr>
             <a:endParaRPr b="0" lang="en-US" sz="1500" spc="-1" strike="noStrike">
               <a:latin typeface="Arial"/>
             </a:endParaRPr>
           </a:p>
           <a:p>
-            <a:pPr marL="285840" indent="-281160">
+            <a:pPr>
               <a:lnSpc>
                 <a:spcPct val="120000"/>
               </a:lnSpc>
-              <a:buClr>
-                <a:srgbClr val="000000"/>
-              </a:buClr>
-              <a:buFont typeface="Arial"/>
-              <a:buChar char="•"/>
             </a:pPr>
             <a:endParaRPr b="0" lang="en-US" sz="1500" spc="-1" strike="noStrike">
               <a:latin typeface="Arial"/>
             </a:endParaRPr>
           </a:p>
           <a:p>
-            <a:pPr marL="285840" indent="-281160">
+            <a:pPr>
               <a:lnSpc>
                 <a:spcPct val="120000"/>
               </a:lnSpc>
-              <a:buClr>
-                <a:srgbClr val="000000"/>
-              </a:buClr>
-              <a:buFont typeface="Arial"/>
-              <a:buChar char="•"/>
             </a:pPr>
             <a:endParaRPr b="0" lang="en-US" sz="1500" spc="-1" strike="noStrike">
               <a:latin typeface="Arial"/>
             </a:endParaRPr>
           </a:p>
           <a:p>
-            <a:pPr marL="285840" indent="-281160">
+            <a:pPr>
               <a:lnSpc>
                 <a:spcPct val="120000"/>
               </a:lnSpc>
-              <a:buClr>
-                <a:srgbClr val="000000"/>
-              </a:buClr>
-              <a:buFont typeface="Arial"/>
-              <a:buChar char="•"/>
             </a:pPr>
             <a:endParaRPr b="0" lang="en-US" sz="1500" spc="-1" strike="noStrike">
               <a:latin typeface="Arial"/>
             </a:endParaRPr>
           </a:p>
           <a:p>
-            <a:pPr marL="285840" indent="-281160">
+            <a:pPr>
               <a:lnSpc>
                 <a:spcPct val="120000"/>
               </a:lnSpc>
-              <a:buClr>
-                <a:srgbClr val="000000"/>
-              </a:buClr>
-              <a:buFont typeface="Arial"/>
-              <a:buChar char="•"/>
             </a:pPr>
             <a:endParaRPr b="0" lang="en-US" sz="1500" spc="-1" strike="noStrike">
               <a:latin typeface="Arial"/>
             </a:endParaRPr>
           </a:p>
           <a:p>
-            <a:pPr marL="285840" indent="-281160">
+            <a:pPr>
               <a:lnSpc>
                 <a:spcPct val="120000"/>
               </a:lnSpc>
-              <a:buClr>
-                <a:srgbClr val="000000"/>
-              </a:buClr>
-              <a:buFont typeface="Arial"/>
-              <a:buChar char="•"/>
             </a:pPr>
             <a:endParaRPr b="0" lang="en-US" sz="1500" spc="-1" strike="noStrike">
               <a:latin typeface="Arial"/>
             </a:endParaRPr>
           </a:p>
           <a:p>
-            <a:pPr marL="285840" indent="-281160">
+            <a:pPr marL="285840" indent="-280800">
               <a:lnSpc>
                 <a:spcPct val="120000"/>
               </a:lnSpc>
@@ -8997,7 +9579,7 @@
         <p:spPr>
           <a:xfrm>
             <a:off x="731520" y="1463040"/>
-            <a:ext cx="7810200" cy="1647360"/>
+            <a:ext cx="7809840" cy="1647000"/>
           </a:xfrm>
           <a:prstGeom prst="rect">
             <a:avLst/>
